--- a/Article/Algorithm/common/알고리즘_마인드맵.pptx
+++ b/Article/Algorithm/common/알고리즘_마인드맵.pptx
@@ -156,6 +156,11 @@
       </a:defRPr>
     </a:lvl9pPr>
   </p:defaultTextStyle>
+  <p:extLst>
+    <p:ext uri="{EFAFB233-063F-42B5-8137-9DF3F51BA10A}">
+      <p15:sldGuideLst xmlns:p15="http://schemas.microsoft.com/office/powerpoint/2012/main"/>
+    </p:ext>
+  </p:extLst>
 </p:presentation>
 </file>
 
@@ -265,7 +270,7 @@
             <a:fld id="{6B9E5F0D-2ED2-4FE8-8BFF-84A036F32EC1}" type="datetimeFigureOut">
               <a:rPr lang="en-US" altLang="ru-RU"/>
               <a:pPr/>
-              <a:t>12/20/2019</a:t>
+              <a:t>12/24/2019</a:t>
             </a:fld>
             <a:endParaRPr lang="en-US" altLang="ru-RU"/>
           </a:p>
@@ -449,7 +454,7 @@
               </a14:hiddenEffects>
             </a:ext>
             <a:ext uri="{FAA26D3D-D897-4be2-8F04-BA451C77F1D7}">
-              <ma14:placeholderFlag xmlns:ma14="http://schemas.microsoft.com/office/mac/drawingml/2011/main" xmlns="" val="1"/>
+              <ma14:placeholderFlag xmlns="" xmlns:ma14="http://schemas.microsoft.com/office/mac/drawingml/2011/main" val="1"/>
             </a:ext>
           </a:extLst>
         </p:spPr>
@@ -514,7 +519,7 @@
               </a14:hiddenEffects>
             </a:ext>
             <a:ext uri="{FAA26D3D-D897-4be2-8F04-BA451C77F1D7}">
-              <ma14:placeholderFlag xmlns:ma14="http://schemas.microsoft.com/office/mac/drawingml/2011/main" xmlns="" val="1"/>
+              <ma14:placeholderFlag xmlns="" xmlns:ma14="http://schemas.microsoft.com/office/mac/drawingml/2011/main" val="1"/>
             </a:ext>
           </a:extLst>
         </p:spPr>
@@ -2866,7 +2871,7 @@
               </a14:hiddenEffects>
             </a:ext>
             <a:ext uri="{FAA26D3D-D897-4be2-8F04-BA451C77F1D7}">
-              <ma14:placeholderFlag xmlns:ma14="http://schemas.microsoft.com/office/mac/drawingml/2011/main" xmlns="" val="1"/>
+              <ma14:placeholderFlag xmlns="" xmlns:ma14="http://schemas.microsoft.com/office/mac/drawingml/2011/main" val="1"/>
             </a:ext>
           </a:extLst>
         </p:spPr>
@@ -2948,7 +2953,7 @@
               </a14:hiddenEffects>
             </a:ext>
             <a:ext uri="{FAA26D3D-D897-4be2-8F04-BA451C77F1D7}">
-              <ma14:placeholderFlag xmlns:ma14="http://schemas.microsoft.com/office/mac/drawingml/2011/main" xmlns="" val="1"/>
+              <ma14:placeholderFlag xmlns="" xmlns:ma14="http://schemas.microsoft.com/office/mac/drawingml/2011/main" val="1"/>
             </a:ext>
           </a:extLst>
         </p:spPr>
@@ -3066,7 +3071,7 @@
               </a14:hiddenEffects>
             </a:ext>
             <a:ext uri="{FAA26D3D-D897-4be2-8F04-BA451C77F1D7}">
-              <ma14:placeholderFlag xmlns:ma14="http://schemas.microsoft.com/office/mac/drawingml/2011/main" xmlns="" val="1"/>
+              <ma14:placeholderFlag xmlns="" xmlns:ma14="http://schemas.microsoft.com/office/mac/drawingml/2011/main" val="1"/>
             </a:ext>
           </a:extLst>
         </p:spPr>
@@ -3675,7 +3680,7 @@
           <a:lstStyle/>
           <a:p>
             <a:pPr algn="ctr" eaLnBrk="1"/>
-            <a:endParaRPr lang="ru-RU" altLang="ru-RU"/>
+            <a:endParaRPr lang="ru-RU" altLang="ru-RU" dirty="0"/>
           </a:p>
         </p:txBody>
       </p:sp>
@@ -7514,6 +7519,126 @@
           <a:chExt cx="0" cy="0"/>
         </a:xfrm>
       </p:grpSpPr>
+      <p:pic>
+        <p:nvPicPr>
+          <p:cNvPr id="1026" name="Picture 2" descr="카카오색에 대한 이미지 검색결과">
+            <a:extLst>
+              <a:ext uri="{FF2B5EF4-FFF2-40B4-BE49-F238E27FC236}">
+                <a16:creationId xmlns:a16="http://schemas.microsoft.com/office/drawing/2014/main" id="{2D713EA3-BDB5-4BE3-BF57-4EDB315A5613}"/>
+              </a:ext>
+            </a:extLst>
+          </p:cNvPr>
+          <p:cNvPicPr>
+            <a:picLocks noChangeAspect="1" noChangeArrowheads="1"/>
+          </p:cNvPicPr>
+          <p:nvPr/>
+        </p:nvPicPr>
+        <p:blipFill>
+          <a:blip r:embed="rId2">
+            <a:extLst>
+              <a:ext uri="{28A0092B-C50C-407E-A947-70E740481C1C}">
+                <a14:useLocalDpi xmlns:a14="http://schemas.microsoft.com/office/drawing/2010/main" val="0"/>
+              </a:ext>
+            </a:extLst>
+          </a:blip>
+          <a:srcRect/>
+          <a:stretch>
+            <a:fillRect/>
+          </a:stretch>
+        </p:blipFill>
+        <p:spPr bwMode="auto">
+          <a:xfrm>
+            <a:off x="1390800" y="4913784"/>
+            <a:ext cx="11430000" cy="7305675"/>
+          </a:xfrm>
+          <a:prstGeom prst="rect">
+            <a:avLst/>
+          </a:prstGeom>
+          <a:noFill/>
+          <a:extLst>
+            <a:ext uri="{909E8E84-426E-40DD-AFC4-6F175D3DCCD1}">
+              <a14:hiddenFill xmlns:a14="http://schemas.microsoft.com/office/drawing/2010/main">
+                <a:solidFill>
+                  <a:srgbClr val="FFFFFF"/>
+                </a:solidFill>
+              </a14:hiddenFill>
+            </a:ext>
+          </a:extLst>
+        </p:spPr>
+      </p:pic>
+      <p:sp>
+        <p:nvSpPr>
+          <p:cNvPr id="2" name="직사각형 1">
+            <a:extLst>
+              <a:ext uri="{FF2B5EF4-FFF2-40B4-BE49-F238E27FC236}">
+                <a16:creationId xmlns:a16="http://schemas.microsoft.com/office/drawing/2014/main" id="{E02B6C24-1DA6-42BD-AEB4-43146D9F07E2}"/>
+              </a:ext>
+            </a:extLst>
+          </p:cNvPr>
+          <p:cNvSpPr/>
+          <p:nvPr/>
+        </p:nvSpPr>
+        <p:spPr bwMode="auto">
+          <a:xfrm>
+            <a:off x="12336016" y="2825552"/>
+            <a:ext cx="2736304" cy="2088232"/>
+          </a:xfrm>
+          <a:prstGeom prst="rect">
+            <a:avLst/>
+          </a:prstGeom>
+          <a:solidFill>
+            <a:srgbClr val="FFE400"/>
+          </a:solidFill>
+          <a:ln w="25400" cap="flat" cmpd="sng" algn="ctr">
+            <a:noFill/>
+            <a:prstDash val="solid"/>
+            <a:miter lim="400000"/>
+            <a:headEnd type="none" w="med" len="med"/>
+            <a:tailEnd type="none" w="med" len="med"/>
+          </a:ln>
+          <a:effectLst/>
+        </p:spPr>
+        <p:txBody>
+          <a:bodyPr vert="horz" wrap="square" lIns="0" tIns="0" rIns="0" bIns="0" numCol="1" rtlCol="0" anchor="ctr" anchorCtr="0" compatLnSpc="1">
+            <a:prstTxWarp prst="textNoShape">
+              <a:avLst/>
+            </a:prstTxWarp>
+            <a:spAutoFit/>
+          </a:bodyPr>
+          <a:lstStyle/>
+          <a:p>
+            <a:pPr marL="0" marR="0" indent="0" algn="ctr" defTabSz="825500" rtl="0" eaLnBrk="1" fontAlgn="base" latinLnBrk="0" hangingPunct="0">
+              <a:lnSpc>
+                <a:spcPct val="100000"/>
+              </a:lnSpc>
+              <a:spcBef>
+                <a:spcPct val="0"/>
+              </a:spcBef>
+              <a:spcAft>
+                <a:spcPct val="0"/>
+              </a:spcAft>
+              <a:buClrTx/>
+              <a:buSzTx/>
+              <a:buFontTx/>
+              <a:buNone/>
+              <a:tabLst/>
+            </a:pPr>
+            <a:endParaRPr kumimoji="0" lang="ko-KR" altLang="en-US" sz="3000" b="1" i="0" u="none" strike="noStrike" cap="none" normalizeH="0" baseline="0">
+              <a:ln>
+                <a:noFill/>
+              </a:ln>
+              <a:solidFill>
+                <a:srgbClr val="000000"/>
+              </a:solidFill>
+              <a:effectLst/>
+              <a:latin typeface="Helvetica Neue" charset="0"/>
+              <a:ea typeface="Helvetica Neue" charset="0"/>
+              <a:cs typeface="Helvetica Neue" charset="0"/>
+              <a:sym typeface="Helvetica Neue" charset="0"/>
+            </a:endParaRPr>
+          </a:p>
+        </p:txBody>
+      </p:sp>
     </p:spTree>
     <p:extLst>
       <p:ext uri="{BB962C8B-B14F-4D97-AF65-F5344CB8AC3E}">

--- a/Article/Algorithm/common/알고리즘_마인드맵.pptx
+++ b/Article/Algorithm/common/알고리즘_마인드맵.pptx
@@ -158,7 +158,18 @@
   </p:defaultTextStyle>
   <p:extLst>
     <p:ext uri="{EFAFB233-063F-42B5-8137-9DF3F51BA10A}">
-      <p15:sldGuideLst xmlns:p15="http://schemas.microsoft.com/office/powerpoint/2012/main"/>
+      <p15:sldGuideLst xmlns:p15="http://schemas.microsoft.com/office/powerpoint/2012/main">
+        <p15:guide id="1" orient="horz" pos="4320" userDrawn="1">
+          <p15:clr>
+            <a:srgbClr val="A4A3A4"/>
+          </p15:clr>
+        </p15:guide>
+        <p15:guide id="2" pos="7680" userDrawn="1">
+          <p15:clr>
+            <a:srgbClr val="A4A3A4"/>
+          </p15:clr>
+        </p15:guide>
+      </p15:sldGuideLst>
     </p:ext>
   </p:extLst>
 </p:presentation>
@@ -270,7 +281,7 @@
             <a:fld id="{6B9E5F0D-2ED2-4FE8-8BFF-84A036F32EC1}" type="datetimeFigureOut">
               <a:rPr lang="en-US" altLang="ru-RU"/>
               <a:pPr/>
-              <a:t>12/24/2019</a:t>
+              <a:t>12/27/2019</a:t>
             </a:fld>
             <a:endParaRPr lang="en-US" altLang="ru-RU"/>
           </a:p>
@@ -454,7 +465,7 @@
               </a14:hiddenEffects>
             </a:ext>
             <a:ext uri="{FAA26D3D-D897-4be2-8F04-BA451C77F1D7}">
-              <ma14:placeholderFlag xmlns="" xmlns:ma14="http://schemas.microsoft.com/office/mac/drawingml/2011/main" val="1"/>
+              <ma14:placeholderFlag xmlns:ma14="http://schemas.microsoft.com/office/mac/drawingml/2011/main" xmlns="" val="1"/>
             </a:ext>
           </a:extLst>
         </p:spPr>
@@ -519,7 +530,7 @@
               </a14:hiddenEffects>
             </a:ext>
             <a:ext uri="{FAA26D3D-D897-4be2-8F04-BA451C77F1D7}">
-              <ma14:placeholderFlag xmlns="" xmlns:ma14="http://schemas.microsoft.com/office/mac/drawingml/2011/main" val="1"/>
+              <ma14:placeholderFlag xmlns:ma14="http://schemas.microsoft.com/office/mac/drawingml/2011/main" xmlns="" val="1"/>
             </a:ext>
           </a:extLst>
         </p:spPr>
@@ -875,6 +886,177 @@
 </p:notes>
 </file>
 
+<file path=ppt/notesSlides/notesSlide3.xml><?xml version="1.0" encoding="utf-8"?>
+<p:notes xmlns:a="http://schemas.openxmlformats.org/drawingml/2006/main" xmlns:r="http://schemas.openxmlformats.org/officeDocument/2006/relationships" xmlns:p="http://schemas.openxmlformats.org/presentationml/2006/main">
+  <p:cSld>
+    <p:spTree>
+      <p:nvGrpSpPr>
+        <p:cNvPr id="1" name=""/>
+        <p:cNvGrpSpPr/>
+        <p:nvPr/>
+      </p:nvGrpSpPr>
+      <p:grpSpPr>
+        <a:xfrm>
+          <a:off x="0" y="0"/>
+          <a:ext cx="0" cy="0"/>
+          <a:chOff x="0" y="0"/>
+          <a:chExt cx="0" cy="0"/>
+        </a:xfrm>
+      </p:grpSpPr>
+      <p:sp>
+        <p:nvSpPr>
+          <p:cNvPr id="2" name="슬라이드 이미지 개체 틀 1"/>
+          <p:cNvSpPr>
+            <a:spLocks noGrp="1" noRot="1" noChangeAspect="1"/>
+          </p:cNvSpPr>
+          <p:nvPr>
+            <p:ph type="sldImg"/>
+          </p:nvPr>
+        </p:nvSpPr>
+        <p:spPr>
+          <a:xfrm>
+            <a:off x="381000" y="685800"/>
+            <a:ext cx="6096000" cy="3429000"/>
+          </a:xfrm>
+        </p:spPr>
+      </p:sp>
+      <p:sp>
+        <p:nvSpPr>
+          <p:cNvPr id="3" name="슬라이드 노트 개체 틀 2"/>
+          <p:cNvSpPr>
+            <a:spLocks noGrp="1"/>
+          </p:cNvSpPr>
+          <p:nvPr>
+            <p:ph type="body" idx="1"/>
+          </p:nvPr>
+        </p:nvSpPr>
+        <p:spPr/>
+        <p:txBody>
+          <a:bodyPr/>
+          <a:lstStyle/>
+          <a:p>
+            <a:r>
+              <a:rPr lang="ko-KR" altLang="en-US" dirty="0"/>
+              <a:t>미니멈 코스트 </a:t>
+            </a:r>
+            <a:r>
+              <a:rPr lang="ko-KR" altLang="en-US" dirty="0" err="1"/>
+              <a:t>스패닝</a:t>
+            </a:r>
+            <a:r>
+              <a:rPr lang="ko-KR" altLang="en-US" dirty="0"/>
+              <a:t> 트리</a:t>
+            </a:r>
+            <a:endParaRPr lang="en-US" altLang="ko-KR" dirty="0"/>
+          </a:p>
+          <a:p>
+            <a:r>
+              <a:rPr lang="ko-KR" altLang="en-US" dirty="0" err="1"/>
+              <a:t>프라이어티</a:t>
+            </a:r>
+            <a:r>
+              <a:rPr lang="ko-KR" altLang="en-US" dirty="0"/>
+              <a:t> 퍼스트 </a:t>
+            </a:r>
+            <a:r>
+              <a:rPr lang="ko-KR" altLang="en-US" dirty="0" err="1"/>
+              <a:t>서치</a:t>
+            </a:r>
+            <a:endParaRPr lang="ko-KR" altLang="en-US" dirty="0"/>
+          </a:p>
+        </p:txBody>
+      </p:sp>
+    </p:spTree>
+    <p:extLst>
+      <p:ext uri="{BB962C8B-B14F-4D97-AF65-F5344CB8AC3E}">
+        <p14:creationId xmlns:p14="http://schemas.microsoft.com/office/powerpoint/2010/main" val="2464774369"/>
+      </p:ext>
+    </p:extLst>
+  </p:cSld>
+  <p:clrMapOvr>
+    <a:masterClrMapping/>
+  </p:clrMapOvr>
+</p:notes>
+</file>
+
+<file path=ppt/notesSlides/notesSlide4.xml><?xml version="1.0" encoding="utf-8"?>
+<p:notes xmlns:a="http://schemas.openxmlformats.org/drawingml/2006/main" xmlns:r="http://schemas.openxmlformats.org/officeDocument/2006/relationships" xmlns:p="http://schemas.openxmlformats.org/presentationml/2006/main">
+  <p:cSld>
+    <p:spTree>
+      <p:nvGrpSpPr>
+        <p:cNvPr id="1" name=""/>
+        <p:cNvGrpSpPr/>
+        <p:nvPr/>
+      </p:nvGrpSpPr>
+      <p:grpSpPr>
+        <a:xfrm>
+          <a:off x="0" y="0"/>
+          <a:ext cx="0" cy="0"/>
+          <a:chOff x="0" y="0"/>
+          <a:chExt cx="0" cy="0"/>
+        </a:xfrm>
+      </p:grpSpPr>
+      <p:sp>
+        <p:nvSpPr>
+          <p:cNvPr id="2" name="슬라이드 이미지 개체 틀 1"/>
+          <p:cNvSpPr>
+            <a:spLocks noGrp="1" noRot="1" noChangeAspect="1"/>
+          </p:cNvSpPr>
+          <p:nvPr>
+            <p:ph type="sldImg"/>
+          </p:nvPr>
+        </p:nvSpPr>
+        <p:spPr>
+          <a:xfrm>
+            <a:off x="381000" y="685800"/>
+            <a:ext cx="6096000" cy="3429000"/>
+          </a:xfrm>
+        </p:spPr>
+      </p:sp>
+      <p:sp>
+        <p:nvSpPr>
+          <p:cNvPr id="3" name="슬라이드 노트 개체 틀 2"/>
+          <p:cNvSpPr>
+            <a:spLocks noGrp="1"/>
+          </p:cNvSpPr>
+          <p:nvPr>
+            <p:ph type="body" idx="1"/>
+          </p:nvPr>
+        </p:nvSpPr>
+        <p:spPr/>
+        <p:txBody>
+          <a:bodyPr/>
+          <a:lstStyle/>
+          <a:p>
+            <a:r>
+              <a:rPr lang="en-US" altLang="ko-KR" dirty="0"/>
+              <a:t>5 7 6 15</a:t>
+            </a:r>
+          </a:p>
+          <a:p>
+            <a:r>
+              <a:rPr lang="en-US" altLang="ko-KR" dirty="0"/>
+              <a:t>5 8 6 10</a:t>
+            </a:r>
+          </a:p>
+          <a:p>
+            <a:endParaRPr lang="ko-KR" altLang="en-US" dirty="0"/>
+          </a:p>
+        </p:txBody>
+      </p:sp>
+    </p:spTree>
+    <p:extLst>
+      <p:ext uri="{BB962C8B-B14F-4D97-AF65-F5344CB8AC3E}">
+        <p14:creationId xmlns:p14="http://schemas.microsoft.com/office/powerpoint/2010/main" val="41521377"/>
+      </p:ext>
+    </p:extLst>
+  </p:cSld>
+  <p:clrMapOvr>
+    <a:masterClrMapping/>
+  </p:clrMapOvr>
+</p:notes>
+</file>
+
 <file path=ppt/slideLayouts/slideLayout1.xml><?xml version="1.0" encoding="utf-8"?>
 <p:sldLayout xmlns:a="http://schemas.openxmlformats.org/drawingml/2006/main" xmlns:r="http://schemas.openxmlformats.org/officeDocument/2006/relationships" xmlns:p="http://schemas.openxmlformats.org/presentationml/2006/main" type="title" preserve="1">
   <p:cSld name="Title Slide">
@@ -2871,7 +3053,7 @@
               </a14:hiddenEffects>
             </a:ext>
             <a:ext uri="{FAA26D3D-D897-4be2-8F04-BA451C77F1D7}">
-              <ma14:placeholderFlag xmlns="" xmlns:ma14="http://schemas.microsoft.com/office/mac/drawingml/2011/main" val="1"/>
+              <ma14:placeholderFlag xmlns:ma14="http://schemas.microsoft.com/office/mac/drawingml/2011/main" xmlns="" val="1"/>
             </a:ext>
           </a:extLst>
         </p:spPr>
@@ -2953,7 +3135,7 @@
               </a14:hiddenEffects>
             </a:ext>
             <a:ext uri="{FAA26D3D-D897-4be2-8F04-BA451C77F1D7}">
-              <ma14:placeholderFlag xmlns="" xmlns:ma14="http://schemas.microsoft.com/office/mac/drawingml/2011/main" val="1"/>
+              <ma14:placeholderFlag xmlns:ma14="http://schemas.microsoft.com/office/mac/drawingml/2011/main" xmlns="" val="1"/>
             </a:ext>
           </a:extLst>
         </p:spPr>
@@ -3071,7 +3253,7 @@
               </a14:hiddenEffects>
             </a:ext>
             <a:ext uri="{FAA26D3D-D897-4be2-8F04-BA451C77F1D7}">
-              <ma14:placeholderFlag xmlns="" xmlns:ma14="http://schemas.microsoft.com/office/mac/drawingml/2011/main" val="1"/>
+              <ma14:placeholderFlag xmlns:ma14="http://schemas.microsoft.com/office/mac/drawingml/2011/main" xmlns="" val="1"/>
             </a:ext>
           </a:extLst>
         </p:spPr>
@@ -7669,6 +7851,1905 @@
           <a:chExt cx="0" cy="0"/>
         </a:xfrm>
       </p:grpSpPr>
+      <p:sp>
+        <p:nvSpPr>
+          <p:cNvPr id="2" name="타원 1">
+            <a:extLst>
+              <a:ext uri="{FF2B5EF4-FFF2-40B4-BE49-F238E27FC236}">
+                <a16:creationId xmlns:a16="http://schemas.microsoft.com/office/drawing/2014/main" id="{5C59B67A-A831-4D01-906A-EF3B6F8B8092}"/>
+              </a:ext>
+            </a:extLst>
+          </p:cNvPr>
+          <p:cNvSpPr>
+            <a:spLocks noChangeAspect="1"/>
+          </p:cNvSpPr>
+          <p:nvPr/>
+        </p:nvSpPr>
+        <p:spPr bwMode="auto">
+          <a:xfrm>
+            <a:off x="2910881" y="3905672"/>
+            <a:ext cx="4816623" cy="4816623"/>
+          </a:xfrm>
+          <a:prstGeom prst="ellipse">
+            <a:avLst/>
+          </a:prstGeom>
+          <a:solidFill>
+            <a:srgbClr val="E3E5EC"/>
+          </a:solidFill>
+          <a:ln w="25400" cap="flat" cmpd="sng" algn="ctr">
+            <a:noFill/>
+            <a:prstDash val="solid"/>
+            <a:miter lim="400000"/>
+            <a:headEnd type="none" w="med" len="med"/>
+            <a:tailEnd type="none" w="med" len="med"/>
+          </a:ln>
+          <a:effectLst/>
+        </p:spPr>
+        <p:txBody>
+          <a:bodyPr vert="horz" wrap="square" lIns="0" tIns="0" rIns="0" bIns="0" numCol="1" rtlCol="0" anchor="ctr" anchorCtr="0" compatLnSpc="1">
+            <a:prstTxWarp prst="textNoShape">
+              <a:avLst/>
+            </a:prstTxWarp>
+            <a:spAutoFit/>
+          </a:bodyPr>
+          <a:lstStyle/>
+          <a:p>
+            <a:pPr marL="0" marR="0" indent="0" algn="ctr" defTabSz="825500" rtl="0" eaLnBrk="1" fontAlgn="base" latinLnBrk="0" hangingPunct="0">
+              <a:lnSpc>
+                <a:spcPct val="100000"/>
+              </a:lnSpc>
+              <a:spcBef>
+                <a:spcPct val="0"/>
+              </a:spcBef>
+              <a:spcAft>
+                <a:spcPct val="0"/>
+              </a:spcAft>
+              <a:buClrTx/>
+              <a:buSzTx/>
+              <a:buFontTx/>
+              <a:buNone/>
+              <a:tabLst/>
+            </a:pPr>
+            <a:endParaRPr kumimoji="0" lang="ko-KR" altLang="en-US" sz="3000" b="1" i="0" u="none" strike="noStrike" cap="none" normalizeH="0" baseline="0">
+              <a:ln>
+                <a:noFill/>
+              </a:ln>
+              <a:solidFill>
+                <a:srgbClr val="000000"/>
+              </a:solidFill>
+              <a:effectLst/>
+              <a:latin typeface="Helvetica Neue" charset="0"/>
+              <a:ea typeface="Helvetica Neue" charset="0"/>
+              <a:cs typeface="Helvetica Neue" charset="0"/>
+              <a:sym typeface="Helvetica Neue" charset="0"/>
+            </a:endParaRPr>
+          </a:p>
+        </p:txBody>
+      </p:sp>
+      <p:sp>
+        <p:nvSpPr>
+          <p:cNvPr id="3" name="타원 2">
+            <a:extLst>
+              <a:ext uri="{FF2B5EF4-FFF2-40B4-BE49-F238E27FC236}">
+                <a16:creationId xmlns:a16="http://schemas.microsoft.com/office/drawing/2014/main" id="{4083F19D-6FF1-44E3-9605-8B56BB8D2A41}"/>
+              </a:ext>
+            </a:extLst>
+          </p:cNvPr>
+          <p:cNvSpPr/>
+          <p:nvPr/>
+        </p:nvSpPr>
+        <p:spPr bwMode="auto">
+          <a:xfrm>
+            <a:off x="3243288" y="4215666"/>
+            <a:ext cx="4177890" cy="4126280"/>
+          </a:xfrm>
+          <a:prstGeom prst="ellipse">
+            <a:avLst/>
+          </a:prstGeom>
+          <a:solidFill>
+            <a:schemeClr val="bg1"/>
+          </a:solidFill>
+          <a:ln w="25400" cap="flat" cmpd="sng" algn="ctr">
+            <a:noFill/>
+            <a:prstDash val="solid"/>
+            <a:miter lim="400000"/>
+            <a:headEnd type="none" w="med" len="med"/>
+            <a:tailEnd type="none" w="med" len="med"/>
+          </a:ln>
+          <a:effectLst/>
+        </p:spPr>
+        <p:txBody>
+          <a:bodyPr vert="horz" wrap="square" lIns="0" tIns="0" rIns="0" bIns="0" numCol="1" rtlCol="0" anchor="ctr" anchorCtr="0" compatLnSpc="1">
+            <a:prstTxWarp prst="textNoShape">
+              <a:avLst/>
+            </a:prstTxWarp>
+            <a:spAutoFit/>
+          </a:bodyPr>
+          <a:lstStyle/>
+          <a:p>
+            <a:pPr marL="0" marR="0" indent="0" algn="ctr" defTabSz="825500" rtl="0" eaLnBrk="1" fontAlgn="base" latinLnBrk="0" hangingPunct="0">
+              <a:lnSpc>
+                <a:spcPct val="100000"/>
+              </a:lnSpc>
+              <a:spcBef>
+                <a:spcPct val="0"/>
+              </a:spcBef>
+              <a:spcAft>
+                <a:spcPct val="0"/>
+              </a:spcAft>
+              <a:buClrTx/>
+              <a:buSzTx/>
+              <a:buFontTx/>
+              <a:buNone/>
+              <a:tabLst/>
+            </a:pPr>
+            <a:endParaRPr kumimoji="0" lang="ko-KR" altLang="en-US" sz="3000" b="1" i="0" u="none" strike="noStrike" cap="none" normalizeH="0" baseline="0">
+              <a:ln>
+                <a:noFill/>
+              </a:ln>
+              <a:solidFill>
+                <a:srgbClr val="000000"/>
+              </a:solidFill>
+              <a:effectLst/>
+              <a:latin typeface="Helvetica Neue" charset="0"/>
+              <a:ea typeface="Helvetica Neue" charset="0"/>
+              <a:cs typeface="Helvetica Neue" charset="0"/>
+              <a:sym typeface="Helvetica Neue" charset="0"/>
+            </a:endParaRPr>
+          </a:p>
+        </p:txBody>
+      </p:sp>
+      <p:sp>
+        <p:nvSpPr>
+          <p:cNvPr id="4" name="Скругленный прямоугольник 88">
+            <a:extLst>
+              <a:ext uri="{FF2B5EF4-FFF2-40B4-BE49-F238E27FC236}">
+                <a16:creationId xmlns:a16="http://schemas.microsoft.com/office/drawing/2014/main" id="{D2BAA7BB-3613-469C-BFB4-3CE6C073CAEB}"/>
+              </a:ext>
+            </a:extLst>
+          </p:cNvPr>
+          <p:cNvSpPr>
+            <a:spLocks noChangeArrowheads="1"/>
+          </p:cNvSpPr>
+          <p:nvPr/>
+        </p:nvSpPr>
+        <p:spPr bwMode="auto">
+          <a:xfrm>
+            <a:off x="9966694" y="9693092"/>
+            <a:ext cx="8867076" cy="955858"/>
+          </a:xfrm>
+          <a:prstGeom prst="roundRect">
+            <a:avLst>
+              <a:gd name="adj" fmla="val 50000"/>
+            </a:avLst>
+          </a:prstGeom>
+          <a:solidFill>
+            <a:srgbClr val="CFF09E"/>
+          </a:solidFill>
+          <a:ln>
+            <a:noFill/>
+          </a:ln>
+        </p:spPr>
+        <p:txBody>
+          <a:bodyPr wrap="square" lIns="0" tIns="0" rIns="0" bIns="0" anchor="ctr">
+            <a:spAutoFit/>
+          </a:bodyPr>
+          <a:lstStyle/>
+          <a:p>
+            <a:pPr algn="ctr" eaLnBrk="1"/>
+            <a:endParaRPr lang="ru-RU" altLang="ru-RU"/>
+          </a:p>
+        </p:txBody>
+      </p:sp>
+      <p:sp>
+        <p:nvSpPr>
+          <p:cNvPr id="5" name="Скругленный прямоугольник 88">
+            <a:extLst>
+              <a:ext uri="{FF2B5EF4-FFF2-40B4-BE49-F238E27FC236}">
+                <a16:creationId xmlns:a16="http://schemas.microsoft.com/office/drawing/2014/main" id="{F0262FEB-7CC0-4930-AB45-731363A64FFF}"/>
+              </a:ext>
+            </a:extLst>
+          </p:cNvPr>
+          <p:cNvSpPr>
+            <a:spLocks noChangeArrowheads="1"/>
+          </p:cNvSpPr>
+          <p:nvPr/>
+        </p:nvSpPr>
+        <p:spPr bwMode="auto">
+          <a:xfrm>
+            <a:off x="9772219" y="5241626"/>
+            <a:ext cx="6215454" cy="955858"/>
+          </a:xfrm>
+          <a:prstGeom prst="roundRect">
+            <a:avLst>
+              <a:gd name="adj" fmla="val 50000"/>
+            </a:avLst>
+          </a:prstGeom>
+          <a:solidFill>
+            <a:srgbClr val="CFF09E"/>
+          </a:solidFill>
+          <a:ln>
+            <a:noFill/>
+          </a:ln>
+        </p:spPr>
+        <p:txBody>
+          <a:bodyPr wrap="square" lIns="0" tIns="0" rIns="0" bIns="0" anchor="ctr">
+            <a:spAutoFit/>
+          </a:bodyPr>
+          <a:lstStyle/>
+          <a:p>
+            <a:pPr algn="ctr" eaLnBrk="1"/>
+            <a:endParaRPr lang="ru-RU" altLang="ru-RU"/>
+          </a:p>
+        </p:txBody>
+      </p:sp>
+      <p:sp>
+        <p:nvSpPr>
+          <p:cNvPr id="6" name="Скругленный прямоугольник 88">
+            <a:extLst>
+              <a:ext uri="{FF2B5EF4-FFF2-40B4-BE49-F238E27FC236}">
+                <a16:creationId xmlns:a16="http://schemas.microsoft.com/office/drawing/2014/main" id="{45E4581B-7AC9-4481-A255-CCB09DF8D406}"/>
+              </a:ext>
+            </a:extLst>
+          </p:cNvPr>
+          <p:cNvSpPr>
+            <a:spLocks noChangeArrowheads="1"/>
+          </p:cNvSpPr>
+          <p:nvPr/>
+        </p:nvSpPr>
+        <p:spPr bwMode="auto">
+          <a:xfrm>
+            <a:off x="9653863" y="3747895"/>
+            <a:ext cx="5634060" cy="955858"/>
+          </a:xfrm>
+          <a:prstGeom prst="roundRect">
+            <a:avLst>
+              <a:gd name="adj" fmla="val 50000"/>
+            </a:avLst>
+          </a:prstGeom>
+          <a:solidFill>
+            <a:srgbClr val="CFF09E"/>
+          </a:solidFill>
+          <a:ln>
+            <a:noFill/>
+          </a:ln>
+        </p:spPr>
+        <p:txBody>
+          <a:bodyPr wrap="square" lIns="0" tIns="0" rIns="0" bIns="0" anchor="ctr">
+            <a:spAutoFit/>
+          </a:bodyPr>
+          <a:lstStyle/>
+          <a:p>
+            <a:pPr algn="ctr" eaLnBrk="1"/>
+            <a:endParaRPr lang="ru-RU" altLang="ru-RU"/>
+          </a:p>
+        </p:txBody>
+      </p:sp>
+      <p:sp>
+        <p:nvSpPr>
+          <p:cNvPr id="7" name="Скругленный прямоугольник 88">
+            <a:extLst>
+              <a:ext uri="{FF2B5EF4-FFF2-40B4-BE49-F238E27FC236}">
+                <a16:creationId xmlns:a16="http://schemas.microsoft.com/office/drawing/2014/main" id="{0AFAEF8E-E4E4-49D2-A63F-7E6DCB14BEF9}"/>
+              </a:ext>
+            </a:extLst>
+          </p:cNvPr>
+          <p:cNvSpPr>
+            <a:spLocks noChangeArrowheads="1"/>
+          </p:cNvSpPr>
+          <p:nvPr/>
+        </p:nvSpPr>
+        <p:spPr bwMode="auto">
+          <a:xfrm>
+            <a:off x="9594164" y="2336824"/>
+            <a:ext cx="4565091" cy="955858"/>
+          </a:xfrm>
+          <a:prstGeom prst="roundRect">
+            <a:avLst>
+              <a:gd name="adj" fmla="val 50000"/>
+            </a:avLst>
+          </a:prstGeom>
+          <a:solidFill>
+            <a:srgbClr val="CFF09E"/>
+          </a:solidFill>
+          <a:ln>
+            <a:noFill/>
+          </a:ln>
+        </p:spPr>
+        <p:txBody>
+          <a:bodyPr wrap="square" lIns="0" tIns="0" rIns="0" bIns="0" anchor="ctr">
+            <a:spAutoFit/>
+          </a:bodyPr>
+          <a:lstStyle/>
+          <a:p>
+            <a:pPr algn="ctr" eaLnBrk="1"/>
+            <a:endParaRPr lang="ru-RU" altLang="ru-RU"/>
+          </a:p>
+        </p:txBody>
+      </p:sp>
+      <p:sp>
+        <p:nvSpPr>
+          <p:cNvPr id="10" name="Скругленный прямоугольник 88">
+            <a:extLst>
+              <a:ext uri="{FF2B5EF4-FFF2-40B4-BE49-F238E27FC236}">
+                <a16:creationId xmlns:a16="http://schemas.microsoft.com/office/drawing/2014/main" id="{6305A17C-4F27-480E-8013-863640D9BDE1}"/>
+              </a:ext>
+            </a:extLst>
+          </p:cNvPr>
+          <p:cNvSpPr>
+            <a:spLocks noChangeArrowheads="1"/>
+          </p:cNvSpPr>
+          <p:nvPr/>
+        </p:nvSpPr>
+        <p:spPr bwMode="auto">
+          <a:xfrm>
+            <a:off x="9813552" y="6671991"/>
+            <a:ext cx="9505056" cy="955858"/>
+          </a:xfrm>
+          <a:prstGeom prst="roundRect">
+            <a:avLst>
+              <a:gd name="adj" fmla="val 50000"/>
+            </a:avLst>
+          </a:prstGeom>
+          <a:solidFill>
+            <a:srgbClr val="CFF09E"/>
+          </a:solidFill>
+          <a:ln>
+            <a:noFill/>
+          </a:ln>
+        </p:spPr>
+        <p:txBody>
+          <a:bodyPr wrap="square" lIns="0" tIns="0" rIns="0" bIns="0" anchor="ctr">
+            <a:spAutoFit/>
+          </a:bodyPr>
+          <a:lstStyle/>
+          <a:p>
+            <a:pPr algn="ctr" eaLnBrk="1"/>
+            <a:endParaRPr lang="ru-RU" altLang="ru-RU"/>
+          </a:p>
+        </p:txBody>
+      </p:sp>
+      <p:sp>
+        <p:nvSpPr>
+          <p:cNvPr id="11" name="Полилиния 44">
+            <a:extLst>
+              <a:ext uri="{FF2B5EF4-FFF2-40B4-BE49-F238E27FC236}">
+                <a16:creationId xmlns:a16="http://schemas.microsoft.com/office/drawing/2014/main" id="{3AED2114-EF01-4404-8F8C-29E570480DAB}"/>
+              </a:ext>
+            </a:extLst>
+          </p:cNvPr>
+          <p:cNvSpPr>
+            <a:spLocks noChangeAspect="1"/>
+          </p:cNvSpPr>
+          <p:nvPr/>
+        </p:nvSpPr>
+        <p:spPr bwMode="auto">
+          <a:xfrm>
+            <a:off x="3164728" y="4149382"/>
+            <a:ext cx="4308927" cy="4308927"/>
+          </a:xfrm>
+          <a:custGeom>
+            <a:avLst/>
+            <a:gdLst>
+              <a:gd name="T0" fmla="*/ 3834106 w 7668212"/>
+              <a:gd name="T1" fmla="*/ 194436 h 7668212"/>
+              <a:gd name="T2" fmla="*/ 194436 w 7668212"/>
+              <a:gd name="T3" fmla="*/ 3834106 h 7668212"/>
+              <a:gd name="T4" fmla="*/ 3834106 w 7668212"/>
+              <a:gd name="T5" fmla="*/ 7473776 h 7668212"/>
+              <a:gd name="T6" fmla="*/ 7473776 w 7668212"/>
+              <a:gd name="T7" fmla="*/ 3834106 h 7668212"/>
+              <a:gd name="T8" fmla="*/ 3834106 w 7668212"/>
+              <a:gd name="T9" fmla="*/ 194436 h 7668212"/>
+              <a:gd name="T10" fmla="*/ 3834106 w 7668212"/>
+              <a:gd name="T11" fmla="*/ 0 h 7668212"/>
+              <a:gd name="T12" fmla="*/ 7668212 w 7668212"/>
+              <a:gd name="T13" fmla="*/ 3834106 h 7668212"/>
+              <a:gd name="T14" fmla="*/ 3834106 w 7668212"/>
+              <a:gd name="T15" fmla="*/ 7668212 h 7668212"/>
+              <a:gd name="T16" fmla="*/ 0 w 7668212"/>
+              <a:gd name="T17" fmla="*/ 3834106 h 7668212"/>
+              <a:gd name="T18" fmla="*/ 3834106 w 7668212"/>
+              <a:gd name="T19" fmla="*/ 0 h 7668212"/>
+              <a:gd name="T20" fmla="*/ 0 60000 65536"/>
+              <a:gd name="T21" fmla="*/ 0 60000 65536"/>
+              <a:gd name="T22" fmla="*/ 0 60000 65536"/>
+              <a:gd name="T23" fmla="*/ 0 60000 65536"/>
+              <a:gd name="T24" fmla="*/ 0 60000 65536"/>
+              <a:gd name="T25" fmla="*/ 0 60000 65536"/>
+              <a:gd name="T26" fmla="*/ 0 60000 65536"/>
+              <a:gd name="T27" fmla="*/ 0 60000 65536"/>
+              <a:gd name="T28" fmla="*/ 0 60000 65536"/>
+              <a:gd name="T29" fmla="*/ 0 60000 65536"/>
+            </a:gdLst>
+            <a:ahLst/>
+            <a:cxnLst>
+              <a:cxn ang="T20">
+                <a:pos x="T0" y="T1"/>
+              </a:cxn>
+              <a:cxn ang="T21">
+                <a:pos x="T2" y="T3"/>
+              </a:cxn>
+              <a:cxn ang="T22">
+                <a:pos x="T4" y="T5"/>
+              </a:cxn>
+              <a:cxn ang="T23">
+                <a:pos x="T6" y="T7"/>
+              </a:cxn>
+              <a:cxn ang="T24">
+                <a:pos x="T8" y="T9"/>
+              </a:cxn>
+              <a:cxn ang="T25">
+                <a:pos x="T10" y="T11"/>
+              </a:cxn>
+              <a:cxn ang="T26">
+                <a:pos x="T12" y="T13"/>
+              </a:cxn>
+              <a:cxn ang="T27">
+                <a:pos x="T14" y="T15"/>
+              </a:cxn>
+              <a:cxn ang="T28">
+                <a:pos x="T16" y="T17"/>
+              </a:cxn>
+              <a:cxn ang="T29">
+                <a:pos x="T18" y="T19"/>
+              </a:cxn>
+            </a:cxnLst>
+            <a:rect l="0" t="0" r="r" b="b"/>
+            <a:pathLst>
+              <a:path w="7668212" h="7668212">
+                <a:moveTo>
+                  <a:pt x="3834106" y="194436"/>
+                </a:moveTo>
+                <a:cubicBezTo>
+                  <a:pt x="1823972" y="194436"/>
+                  <a:pt x="194436" y="1823972"/>
+                  <a:pt x="194436" y="3834106"/>
+                </a:cubicBezTo>
+                <a:cubicBezTo>
+                  <a:pt x="194436" y="5844240"/>
+                  <a:pt x="1823972" y="7473776"/>
+                  <a:pt x="3834106" y="7473776"/>
+                </a:cubicBezTo>
+                <a:cubicBezTo>
+                  <a:pt x="5844240" y="7473776"/>
+                  <a:pt x="7473776" y="5844240"/>
+                  <a:pt x="7473776" y="3834106"/>
+                </a:cubicBezTo>
+                <a:cubicBezTo>
+                  <a:pt x="7473776" y="1823972"/>
+                  <a:pt x="5844240" y="194436"/>
+                  <a:pt x="3834106" y="194436"/>
+                </a:cubicBezTo>
+                <a:close/>
+                <a:moveTo>
+                  <a:pt x="3834106" y="0"/>
+                </a:moveTo>
+                <a:cubicBezTo>
+                  <a:pt x="5951624" y="0"/>
+                  <a:pt x="7668212" y="1716588"/>
+                  <a:pt x="7668212" y="3834106"/>
+                </a:cubicBezTo>
+                <a:cubicBezTo>
+                  <a:pt x="7668212" y="5951624"/>
+                  <a:pt x="5951624" y="7668212"/>
+                  <a:pt x="3834106" y="7668212"/>
+                </a:cubicBezTo>
+                <a:cubicBezTo>
+                  <a:pt x="1716588" y="7668212"/>
+                  <a:pt x="0" y="5951624"/>
+                  <a:pt x="0" y="3834106"/>
+                </a:cubicBezTo>
+                <a:cubicBezTo>
+                  <a:pt x="0" y="1716588"/>
+                  <a:pt x="1716588" y="0"/>
+                  <a:pt x="3834106" y="0"/>
+                </a:cubicBezTo>
+                <a:close/>
+              </a:path>
+            </a:pathLst>
+          </a:custGeom>
+          <a:gradFill rotWithShape="1">
+            <a:gsLst>
+              <a:gs pos="100000">
+                <a:srgbClr val="48A2A0"/>
+              </a:gs>
+              <a:gs pos="100000">
+                <a:srgbClr val="CFF09E"/>
+              </a:gs>
+            </a:gsLst>
+            <a:lin ang="5400000" scaled="1"/>
+          </a:gradFill>
+          <a:ln>
+            <a:noFill/>
+          </a:ln>
+        </p:spPr>
+        <p:txBody>
+          <a:bodyPr lIns="0" tIns="0" rIns="0" bIns="0" anchor="ctr"/>
+          <a:lstStyle/>
+          <a:p>
+            <a:endParaRPr lang="ko-KR" altLang="en-US" dirty="0"/>
+          </a:p>
+        </p:txBody>
+      </p:sp>
+      <p:sp>
+        <p:nvSpPr>
+          <p:cNvPr id="12" name="Овал 8">
+            <a:extLst>
+              <a:ext uri="{FF2B5EF4-FFF2-40B4-BE49-F238E27FC236}">
+                <a16:creationId xmlns:a16="http://schemas.microsoft.com/office/drawing/2014/main" id="{BF6883E6-40C9-4B12-ADB6-35BC32A971A2}"/>
+              </a:ext>
+            </a:extLst>
+          </p:cNvPr>
+          <p:cNvSpPr>
+            <a:spLocks noChangeArrowheads="1"/>
+          </p:cNvSpPr>
+          <p:nvPr/>
+        </p:nvSpPr>
+        <p:spPr bwMode="auto">
+          <a:xfrm>
+            <a:off x="6287344" y="4058273"/>
+            <a:ext cx="200025" cy="200025"/>
+          </a:xfrm>
+          <a:prstGeom prst="ellipse">
+            <a:avLst/>
+          </a:prstGeom>
+          <a:solidFill>
+            <a:srgbClr val="697689"/>
+          </a:solidFill>
+          <a:ln>
+            <a:noFill/>
+          </a:ln>
+        </p:spPr>
+        <p:txBody>
+          <a:bodyPr lIns="0" tIns="0" rIns="0" bIns="0" anchor="ctr">
+            <a:spAutoFit/>
+          </a:bodyPr>
+          <a:lstStyle/>
+          <a:p>
+            <a:pPr algn="ctr" eaLnBrk="1"/>
+            <a:endParaRPr lang="ru-RU" altLang="ru-RU"/>
+          </a:p>
+        </p:txBody>
+      </p:sp>
+      <p:sp>
+        <p:nvSpPr>
+          <p:cNvPr id="13" name="Полилиния 12">
+            <a:extLst>
+              <a:ext uri="{FF2B5EF4-FFF2-40B4-BE49-F238E27FC236}">
+                <a16:creationId xmlns:a16="http://schemas.microsoft.com/office/drawing/2014/main" id="{0D0A8C61-4151-459A-ADB5-81F1E985E68A}"/>
+              </a:ext>
+            </a:extLst>
+          </p:cNvPr>
+          <p:cNvSpPr>
+            <a:spLocks/>
+          </p:cNvSpPr>
+          <p:nvPr/>
+        </p:nvSpPr>
+        <p:spPr bwMode="auto">
+          <a:xfrm>
+            <a:off x="6431360" y="2778522"/>
+            <a:ext cx="3177262" cy="1307897"/>
+          </a:xfrm>
+          <a:custGeom>
+            <a:avLst/>
+            <a:gdLst>
+              <a:gd name="T0" fmla="*/ 0 w 2117558"/>
+              <a:gd name="T1" fmla="*/ 1181100 h 1179094"/>
+              <a:gd name="T2" fmla="*/ 985927 w 2117558"/>
+              <a:gd name="T3" fmla="*/ 192833 h 1179094"/>
+              <a:gd name="T4" fmla="*/ 1370680 w 2117558"/>
+              <a:gd name="T5" fmla="*/ 0 h 1179094"/>
+              <a:gd name="T6" fmla="*/ 2116137 w 2117558"/>
+              <a:gd name="T7" fmla="*/ 0 h 1179094"/>
+              <a:gd name="T8" fmla="*/ 0 60000 65536"/>
+              <a:gd name="T9" fmla="*/ 0 60000 65536"/>
+              <a:gd name="T10" fmla="*/ 0 60000 65536"/>
+              <a:gd name="T11" fmla="*/ 0 60000 65536"/>
+            </a:gdLst>
+            <a:ahLst/>
+            <a:cxnLst>
+              <a:cxn ang="T8">
+                <a:pos x="T0" y="T1"/>
+              </a:cxn>
+              <a:cxn ang="T9">
+                <a:pos x="T2" y="T3"/>
+              </a:cxn>
+              <a:cxn ang="T10">
+                <a:pos x="T4" y="T5"/>
+              </a:cxn>
+              <a:cxn ang="T11">
+                <a:pos x="T6" y="T7"/>
+              </a:cxn>
+            </a:cxnLst>
+            <a:rect l="0" t="0" r="r" b="b"/>
+            <a:pathLst>
+              <a:path w="2117558" h="1179094">
+                <a:moveTo>
+                  <a:pt x="0" y="1179094"/>
+                </a:moveTo>
+                <a:lnTo>
+                  <a:pt x="986589" y="192505"/>
+                </a:lnTo>
+                <a:cubicBezTo>
+                  <a:pt x="1075897" y="111610"/>
+                  <a:pt x="1187507" y="8412"/>
+                  <a:pt x="1371600" y="0"/>
+                </a:cubicBezTo>
+                <a:lnTo>
+                  <a:pt x="2117558" y="0"/>
+                </a:lnTo>
+              </a:path>
+            </a:pathLst>
+          </a:custGeom>
+          <a:noFill/>
+          <a:ln w="41275" cap="flat" cmpd="sng">
+            <a:solidFill>
+              <a:srgbClr val="7D899B"/>
+            </a:solidFill>
+            <a:prstDash val="solid"/>
+            <a:miter lim="400000"/>
+            <a:headEnd type="none" w="med" len="med"/>
+            <a:tailEnd type="none" w="med" len="med"/>
+          </a:ln>
+          <a:effectLst/>
+          <a:extLst>
+            <a:ext uri="{909E8E84-426E-40DD-AFC4-6F175D3DCCD1}">
+              <a14:hiddenFill xmlns:a14="http://schemas.microsoft.com/office/drawing/2010/main">
+                <a:solidFill>
+                  <a:srgbClr val="FFFFFF"/>
+                </a:solidFill>
+              </a14:hiddenFill>
+            </a:ext>
+            <a:ext uri="{AF507438-7753-43E0-B8FC-AC1667EBCBE1}">
+              <a14:hiddenEffects xmlns:a14="http://schemas.microsoft.com/office/drawing/2010/main">
+                <a:effectLst>
+                  <a:outerShdw blurRad="63500" dist="38099" dir="2700000" algn="ctr" rotWithShape="0">
+                    <a:schemeClr val="bg2">
+                      <a:alpha val="74997"/>
+                    </a:schemeClr>
+                  </a:outerShdw>
+                </a:effectLst>
+              </a14:hiddenEffects>
+            </a:ext>
+          </a:extLst>
+        </p:spPr>
+        <p:txBody>
+          <a:bodyPr wrap="square" lIns="0" tIns="0" rIns="0" bIns="0" anchor="ctr">
+            <a:spAutoFit/>
+          </a:bodyPr>
+          <a:lstStyle/>
+          <a:p>
+            <a:endParaRPr lang="ko-KR" altLang="en-US" dirty="0"/>
+          </a:p>
+        </p:txBody>
+      </p:sp>
+      <p:sp>
+        <p:nvSpPr>
+          <p:cNvPr id="14" name="Прямоугольник 91">
+            <a:extLst>
+              <a:ext uri="{FF2B5EF4-FFF2-40B4-BE49-F238E27FC236}">
+                <a16:creationId xmlns:a16="http://schemas.microsoft.com/office/drawing/2014/main" id="{3C3EB75F-77DE-4857-BB61-A12CF720979C}"/>
+              </a:ext>
+            </a:extLst>
+          </p:cNvPr>
+          <p:cNvSpPr>
+            <a:spLocks noChangeArrowheads="1"/>
+          </p:cNvSpPr>
+          <p:nvPr/>
+        </p:nvSpPr>
+        <p:spPr bwMode="auto">
+          <a:xfrm>
+            <a:off x="9833465" y="2472663"/>
+            <a:ext cx="3945312" cy="677108"/>
+          </a:xfrm>
+          <a:prstGeom prst="rect">
+            <a:avLst/>
+          </a:prstGeom>
+          <a:noFill/>
+          <a:ln>
+            <a:noFill/>
+          </a:ln>
+        </p:spPr>
+        <p:txBody>
+          <a:bodyPr wrap="none">
+            <a:spAutoFit/>
+          </a:bodyPr>
+          <a:lstStyle/>
+          <a:p>
+            <a:pPr algn="ctr"/>
+            <a:r>
+              <a:rPr lang="en-US" altLang="ko-KR" sz="3800" dirty="0">
+                <a:solidFill>
+                  <a:schemeClr val="tx1"/>
+                </a:solidFill>
+              </a:rPr>
+              <a:t>Optimal</a:t>
+            </a:r>
+            <a:r>
+              <a:rPr lang="ko-KR" altLang="en-US" sz="3800" dirty="0">
+                <a:solidFill>
+                  <a:schemeClr val="tx1"/>
+                </a:solidFill>
+              </a:rPr>
+              <a:t> </a:t>
+            </a:r>
+            <a:r>
+              <a:rPr lang="en-US" altLang="ko-KR" sz="3800" dirty="0">
+                <a:solidFill>
+                  <a:schemeClr val="tx1"/>
+                </a:solidFill>
+              </a:rPr>
+              <a:t>Storage</a:t>
+            </a:r>
+            <a:endParaRPr lang="ko-KR" altLang="en-US" sz="3800" dirty="0">
+              <a:solidFill>
+                <a:schemeClr val="tx1"/>
+              </a:solidFill>
+            </a:endParaRPr>
+          </a:p>
+        </p:txBody>
+      </p:sp>
+      <p:sp>
+        <p:nvSpPr>
+          <p:cNvPr id="15" name="Полилиния 12">
+            <a:extLst>
+              <a:ext uri="{FF2B5EF4-FFF2-40B4-BE49-F238E27FC236}">
+                <a16:creationId xmlns:a16="http://schemas.microsoft.com/office/drawing/2014/main" id="{361FD83C-386D-4D59-9724-35D273C6F1F9}"/>
+              </a:ext>
+            </a:extLst>
+          </p:cNvPr>
+          <p:cNvSpPr>
+            <a:spLocks/>
+          </p:cNvSpPr>
+          <p:nvPr/>
+        </p:nvSpPr>
+        <p:spPr bwMode="auto">
+          <a:xfrm>
+            <a:off x="7582987" y="4225824"/>
+            <a:ext cx="2071298" cy="1069129"/>
+          </a:xfrm>
+          <a:custGeom>
+            <a:avLst/>
+            <a:gdLst>
+              <a:gd name="T0" fmla="*/ 0 w 2117558"/>
+              <a:gd name="T1" fmla="*/ 1181100 h 1179094"/>
+              <a:gd name="T2" fmla="*/ 985927 w 2117558"/>
+              <a:gd name="T3" fmla="*/ 192833 h 1179094"/>
+              <a:gd name="T4" fmla="*/ 1370680 w 2117558"/>
+              <a:gd name="T5" fmla="*/ 0 h 1179094"/>
+              <a:gd name="T6" fmla="*/ 2116137 w 2117558"/>
+              <a:gd name="T7" fmla="*/ 0 h 1179094"/>
+              <a:gd name="T8" fmla="*/ 0 60000 65536"/>
+              <a:gd name="T9" fmla="*/ 0 60000 65536"/>
+              <a:gd name="T10" fmla="*/ 0 60000 65536"/>
+              <a:gd name="T11" fmla="*/ 0 60000 65536"/>
+            </a:gdLst>
+            <a:ahLst/>
+            <a:cxnLst>
+              <a:cxn ang="T8">
+                <a:pos x="T0" y="T1"/>
+              </a:cxn>
+              <a:cxn ang="T9">
+                <a:pos x="T2" y="T3"/>
+              </a:cxn>
+              <a:cxn ang="T10">
+                <a:pos x="T4" y="T5"/>
+              </a:cxn>
+              <a:cxn ang="T11">
+                <a:pos x="T6" y="T7"/>
+              </a:cxn>
+            </a:cxnLst>
+            <a:rect l="0" t="0" r="r" b="b"/>
+            <a:pathLst>
+              <a:path w="2117558" h="1179094">
+                <a:moveTo>
+                  <a:pt x="0" y="1179094"/>
+                </a:moveTo>
+                <a:lnTo>
+                  <a:pt x="986589" y="192505"/>
+                </a:lnTo>
+                <a:cubicBezTo>
+                  <a:pt x="1075897" y="111610"/>
+                  <a:pt x="1187507" y="8412"/>
+                  <a:pt x="1371600" y="0"/>
+                </a:cubicBezTo>
+                <a:lnTo>
+                  <a:pt x="2117558" y="0"/>
+                </a:lnTo>
+              </a:path>
+            </a:pathLst>
+          </a:custGeom>
+          <a:noFill/>
+          <a:ln w="41275" cap="flat" cmpd="sng">
+            <a:solidFill>
+              <a:srgbClr val="7D899B"/>
+            </a:solidFill>
+            <a:prstDash val="solid"/>
+            <a:miter lim="400000"/>
+            <a:headEnd type="none" w="med" len="med"/>
+            <a:tailEnd type="none" w="med" len="med"/>
+          </a:ln>
+          <a:effectLst/>
+          <a:extLst>
+            <a:ext uri="{909E8E84-426E-40DD-AFC4-6F175D3DCCD1}">
+              <a14:hiddenFill xmlns:a14="http://schemas.microsoft.com/office/drawing/2010/main">
+                <a:solidFill>
+                  <a:srgbClr val="FFFFFF"/>
+                </a:solidFill>
+              </a14:hiddenFill>
+            </a:ext>
+            <a:ext uri="{AF507438-7753-43E0-B8FC-AC1667EBCBE1}">
+              <a14:hiddenEffects xmlns:a14="http://schemas.microsoft.com/office/drawing/2010/main">
+                <a:effectLst>
+                  <a:outerShdw blurRad="63500" dist="38099" dir="2700000" algn="ctr" rotWithShape="0">
+                    <a:schemeClr val="bg2">
+                      <a:alpha val="74997"/>
+                    </a:schemeClr>
+                  </a:outerShdw>
+                </a:effectLst>
+              </a14:hiddenEffects>
+            </a:ext>
+          </a:extLst>
+        </p:spPr>
+        <p:txBody>
+          <a:bodyPr wrap="square" lIns="0" tIns="0" rIns="0" bIns="0" anchor="ctr">
+            <a:spAutoFit/>
+          </a:bodyPr>
+          <a:lstStyle/>
+          <a:p>
+            <a:endParaRPr lang="ko-KR" altLang="en-US" dirty="0"/>
+          </a:p>
+        </p:txBody>
+      </p:sp>
+      <p:sp>
+        <p:nvSpPr>
+          <p:cNvPr id="16" name="Прямоугольник 91">
+            <a:extLst>
+              <a:ext uri="{FF2B5EF4-FFF2-40B4-BE49-F238E27FC236}">
+                <a16:creationId xmlns:a16="http://schemas.microsoft.com/office/drawing/2014/main" id="{2961D95D-6A19-4060-BAC4-7661A00D23A5}"/>
+              </a:ext>
+            </a:extLst>
+          </p:cNvPr>
+          <p:cNvSpPr>
+            <a:spLocks noChangeArrowheads="1"/>
+          </p:cNvSpPr>
+          <p:nvPr/>
+        </p:nvSpPr>
+        <p:spPr bwMode="auto">
+          <a:xfrm>
+            <a:off x="9908988" y="3885287"/>
+            <a:ext cx="4950394" cy="677108"/>
+          </a:xfrm>
+          <a:prstGeom prst="rect">
+            <a:avLst/>
+          </a:prstGeom>
+          <a:noFill/>
+          <a:ln>
+            <a:noFill/>
+          </a:ln>
+        </p:spPr>
+        <p:txBody>
+          <a:bodyPr wrap="none">
+            <a:spAutoFit/>
+          </a:bodyPr>
+          <a:lstStyle/>
+          <a:p>
+            <a:pPr algn="ctr"/>
+            <a:r>
+              <a:rPr lang="en-US" altLang="ko-KR" sz="3800" dirty="0">
+                <a:solidFill>
+                  <a:schemeClr val="tx1"/>
+                </a:solidFill>
+              </a:rPr>
+              <a:t>Fractional Knapsack</a:t>
+            </a:r>
+            <a:endParaRPr lang="ko-KR" altLang="en-US" sz="3800" dirty="0">
+              <a:solidFill>
+                <a:schemeClr val="tx1"/>
+              </a:solidFill>
+            </a:endParaRPr>
+          </a:p>
+        </p:txBody>
+      </p:sp>
+      <p:sp>
+        <p:nvSpPr>
+          <p:cNvPr id="17" name="Полилиния 70">
+            <a:extLst>
+              <a:ext uri="{FF2B5EF4-FFF2-40B4-BE49-F238E27FC236}">
+                <a16:creationId xmlns:a16="http://schemas.microsoft.com/office/drawing/2014/main" id="{A32A0C03-88F8-44D8-8B45-9B90DBF157D7}"/>
+              </a:ext>
+            </a:extLst>
+          </p:cNvPr>
+          <p:cNvSpPr>
+            <a:spLocks/>
+          </p:cNvSpPr>
+          <p:nvPr/>
+        </p:nvSpPr>
+        <p:spPr bwMode="auto">
+          <a:xfrm flipV="1">
+            <a:off x="6878839" y="8203132"/>
+            <a:ext cx="3204398" cy="1956296"/>
+          </a:xfrm>
+          <a:custGeom>
+            <a:avLst/>
+            <a:gdLst>
+              <a:gd name="T0" fmla="*/ 0 w 2117558"/>
+              <a:gd name="T1" fmla="*/ 1181100 h 1179094"/>
+              <a:gd name="T2" fmla="*/ 986667 w 2117558"/>
+              <a:gd name="T3" fmla="*/ 192833 h 1179094"/>
+              <a:gd name="T4" fmla="*/ 1371708 w 2117558"/>
+              <a:gd name="T5" fmla="*/ 0 h 1179094"/>
+              <a:gd name="T6" fmla="*/ 2117725 w 2117558"/>
+              <a:gd name="T7" fmla="*/ 0 h 1179094"/>
+              <a:gd name="T8" fmla="*/ 0 60000 65536"/>
+              <a:gd name="T9" fmla="*/ 0 60000 65536"/>
+              <a:gd name="T10" fmla="*/ 0 60000 65536"/>
+              <a:gd name="T11" fmla="*/ 0 60000 65536"/>
+            </a:gdLst>
+            <a:ahLst/>
+            <a:cxnLst>
+              <a:cxn ang="T8">
+                <a:pos x="T0" y="T1"/>
+              </a:cxn>
+              <a:cxn ang="T9">
+                <a:pos x="T2" y="T3"/>
+              </a:cxn>
+              <a:cxn ang="T10">
+                <a:pos x="T4" y="T5"/>
+              </a:cxn>
+              <a:cxn ang="T11">
+                <a:pos x="T6" y="T7"/>
+              </a:cxn>
+            </a:cxnLst>
+            <a:rect l="0" t="0" r="r" b="b"/>
+            <a:pathLst>
+              <a:path w="2117558" h="1179094">
+                <a:moveTo>
+                  <a:pt x="0" y="1179094"/>
+                </a:moveTo>
+                <a:lnTo>
+                  <a:pt x="986589" y="192505"/>
+                </a:lnTo>
+                <a:cubicBezTo>
+                  <a:pt x="1075897" y="111610"/>
+                  <a:pt x="1187507" y="8412"/>
+                  <a:pt x="1371600" y="0"/>
+                </a:cubicBezTo>
+                <a:lnTo>
+                  <a:pt x="2117558" y="0"/>
+                </a:lnTo>
+              </a:path>
+            </a:pathLst>
+          </a:custGeom>
+          <a:noFill/>
+          <a:ln w="41275" cap="flat" cmpd="sng">
+            <a:solidFill>
+              <a:srgbClr val="7D899B"/>
+            </a:solidFill>
+            <a:prstDash val="solid"/>
+            <a:miter lim="400000"/>
+            <a:headEnd type="none" w="med" len="med"/>
+            <a:tailEnd type="none" w="med" len="med"/>
+          </a:ln>
+          <a:effectLst/>
+          <a:extLst>
+            <a:ext uri="{909E8E84-426E-40DD-AFC4-6F175D3DCCD1}">
+              <a14:hiddenFill xmlns:a14="http://schemas.microsoft.com/office/drawing/2010/main">
+                <a:solidFill>
+                  <a:srgbClr val="FFFFFF"/>
+                </a:solidFill>
+              </a14:hiddenFill>
+            </a:ext>
+            <a:ext uri="{AF507438-7753-43E0-B8FC-AC1667EBCBE1}">
+              <a14:hiddenEffects xmlns:a14="http://schemas.microsoft.com/office/drawing/2010/main">
+                <a:effectLst>
+                  <a:outerShdw blurRad="63500" dist="38099" dir="2700000" algn="ctr" rotWithShape="0">
+                    <a:schemeClr val="bg2">
+                      <a:alpha val="74997"/>
+                    </a:schemeClr>
+                  </a:outerShdw>
+                </a:effectLst>
+              </a14:hiddenEffects>
+            </a:ext>
+          </a:extLst>
+        </p:spPr>
+        <p:txBody>
+          <a:bodyPr wrap="square" lIns="0" tIns="0" rIns="0" bIns="0" anchor="ctr">
+            <a:spAutoFit/>
+          </a:bodyPr>
+          <a:lstStyle/>
+          <a:p>
+            <a:endParaRPr lang="ko-KR" altLang="en-US"/>
+          </a:p>
+        </p:txBody>
+      </p:sp>
+      <p:sp>
+        <p:nvSpPr>
+          <p:cNvPr id="18" name="Овал 8">
+            <a:extLst>
+              <a:ext uri="{FF2B5EF4-FFF2-40B4-BE49-F238E27FC236}">
+                <a16:creationId xmlns:a16="http://schemas.microsoft.com/office/drawing/2014/main" id="{C0995E9B-09AC-4ECB-A833-BF09584D119D}"/>
+              </a:ext>
+            </a:extLst>
+          </p:cNvPr>
+          <p:cNvSpPr>
+            <a:spLocks noChangeArrowheads="1"/>
+          </p:cNvSpPr>
+          <p:nvPr/>
+        </p:nvSpPr>
+        <p:spPr bwMode="auto">
+          <a:xfrm>
+            <a:off x="7471919" y="5241626"/>
+            <a:ext cx="200025" cy="200025"/>
+          </a:xfrm>
+          <a:prstGeom prst="ellipse">
+            <a:avLst/>
+          </a:prstGeom>
+          <a:solidFill>
+            <a:srgbClr val="697689"/>
+          </a:solidFill>
+          <a:ln>
+            <a:noFill/>
+          </a:ln>
+        </p:spPr>
+        <p:txBody>
+          <a:bodyPr lIns="0" tIns="0" rIns="0" bIns="0" anchor="ctr">
+            <a:spAutoFit/>
+          </a:bodyPr>
+          <a:lstStyle/>
+          <a:p>
+            <a:pPr algn="ctr" eaLnBrk="1"/>
+            <a:endParaRPr lang="ru-RU" altLang="ru-RU"/>
+          </a:p>
+        </p:txBody>
+      </p:sp>
+      <p:sp>
+        <p:nvSpPr>
+          <p:cNvPr id="19" name="Овал 8">
+            <a:extLst>
+              <a:ext uri="{FF2B5EF4-FFF2-40B4-BE49-F238E27FC236}">
+                <a16:creationId xmlns:a16="http://schemas.microsoft.com/office/drawing/2014/main" id="{A3358882-1A49-440A-A7FB-A61E2FC23785}"/>
+              </a:ext>
+            </a:extLst>
+          </p:cNvPr>
+          <p:cNvSpPr>
+            <a:spLocks noChangeArrowheads="1"/>
+          </p:cNvSpPr>
+          <p:nvPr/>
+        </p:nvSpPr>
+        <p:spPr bwMode="auto">
+          <a:xfrm>
+            <a:off x="6778825" y="8073885"/>
+            <a:ext cx="200025" cy="200025"/>
+          </a:xfrm>
+          <a:prstGeom prst="ellipse">
+            <a:avLst/>
+          </a:prstGeom>
+          <a:solidFill>
+            <a:srgbClr val="697689"/>
+          </a:solidFill>
+          <a:ln>
+            <a:noFill/>
+          </a:ln>
+        </p:spPr>
+        <p:txBody>
+          <a:bodyPr lIns="0" tIns="0" rIns="0" bIns="0" anchor="ctr">
+            <a:spAutoFit/>
+          </a:bodyPr>
+          <a:lstStyle/>
+          <a:p>
+            <a:pPr algn="ctr" eaLnBrk="1"/>
+            <a:endParaRPr lang="ru-RU" altLang="ru-RU"/>
+          </a:p>
+        </p:txBody>
+      </p:sp>
+      <p:sp>
+        <p:nvSpPr>
+          <p:cNvPr id="21" name="Овал 8">
+            <a:extLst>
+              <a:ext uri="{FF2B5EF4-FFF2-40B4-BE49-F238E27FC236}">
+                <a16:creationId xmlns:a16="http://schemas.microsoft.com/office/drawing/2014/main" id="{8CCB2B1E-286A-457C-A27B-8394597E5076}"/>
+              </a:ext>
+            </a:extLst>
+          </p:cNvPr>
+          <p:cNvSpPr>
+            <a:spLocks noChangeArrowheads="1"/>
+          </p:cNvSpPr>
+          <p:nvPr/>
+        </p:nvSpPr>
+        <p:spPr bwMode="auto">
+          <a:xfrm>
+            <a:off x="7460142" y="7069965"/>
+            <a:ext cx="200025" cy="200025"/>
+          </a:xfrm>
+          <a:prstGeom prst="ellipse">
+            <a:avLst/>
+          </a:prstGeom>
+          <a:solidFill>
+            <a:srgbClr val="697689"/>
+          </a:solidFill>
+          <a:ln>
+            <a:noFill/>
+          </a:ln>
+        </p:spPr>
+        <p:txBody>
+          <a:bodyPr lIns="0" tIns="0" rIns="0" bIns="0" anchor="ctr">
+            <a:spAutoFit/>
+          </a:bodyPr>
+          <a:lstStyle/>
+          <a:p>
+            <a:pPr algn="ctr" eaLnBrk="1"/>
+            <a:endParaRPr lang="ru-RU" altLang="ru-RU"/>
+          </a:p>
+        </p:txBody>
+      </p:sp>
+      <p:sp>
+        <p:nvSpPr>
+          <p:cNvPr id="22" name="Прямоугольник 91">
+            <a:extLst>
+              <a:ext uri="{FF2B5EF4-FFF2-40B4-BE49-F238E27FC236}">
+                <a16:creationId xmlns:a16="http://schemas.microsoft.com/office/drawing/2014/main" id="{B771BD30-0EE9-4534-8E49-D894C6229AF1}"/>
+              </a:ext>
+            </a:extLst>
+          </p:cNvPr>
+          <p:cNvSpPr>
+            <a:spLocks noChangeArrowheads="1"/>
+          </p:cNvSpPr>
+          <p:nvPr/>
+        </p:nvSpPr>
+        <p:spPr bwMode="auto">
+          <a:xfrm>
+            <a:off x="10114496" y="5354574"/>
+            <a:ext cx="5378395" cy="677108"/>
+          </a:xfrm>
+          <a:prstGeom prst="rect">
+            <a:avLst/>
+          </a:prstGeom>
+          <a:noFill/>
+          <a:ln>
+            <a:noFill/>
+          </a:ln>
+        </p:spPr>
+        <p:txBody>
+          <a:bodyPr wrap="none">
+            <a:spAutoFit/>
+          </a:bodyPr>
+          <a:lstStyle/>
+          <a:p>
+            <a:pPr algn="ctr"/>
+            <a:r>
+              <a:rPr lang="en-US" altLang="ko-KR" sz="3800" dirty="0">
+                <a:solidFill>
+                  <a:schemeClr val="tx1"/>
+                </a:solidFill>
+              </a:rPr>
+              <a:t>Optimal Merge Pattern</a:t>
+            </a:r>
+            <a:endParaRPr lang="ko-KR" altLang="en-US" sz="3800" dirty="0">
+              <a:solidFill>
+                <a:schemeClr val="tx1"/>
+              </a:solidFill>
+            </a:endParaRPr>
+          </a:p>
+        </p:txBody>
+      </p:sp>
+      <p:sp>
+        <p:nvSpPr>
+          <p:cNvPr id="23" name="Прямоугольник 91">
+            <a:extLst>
+              <a:ext uri="{FF2B5EF4-FFF2-40B4-BE49-F238E27FC236}">
+                <a16:creationId xmlns:a16="http://schemas.microsoft.com/office/drawing/2014/main" id="{7C497CEF-C54D-4810-949D-B3E4646BCCFE}"/>
+              </a:ext>
+            </a:extLst>
+          </p:cNvPr>
+          <p:cNvSpPr>
+            <a:spLocks noChangeArrowheads="1"/>
+          </p:cNvSpPr>
+          <p:nvPr/>
+        </p:nvSpPr>
+        <p:spPr bwMode="auto">
+          <a:xfrm>
+            <a:off x="10213827" y="9832467"/>
+            <a:ext cx="8517075" cy="677108"/>
+          </a:xfrm>
+          <a:prstGeom prst="rect">
+            <a:avLst/>
+          </a:prstGeom>
+          <a:noFill/>
+          <a:ln>
+            <a:noFill/>
+          </a:ln>
+        </p:spPr>
+        <p:txBody>
+          <a:bodyPr wrap="none">
+            <a:spAutoFit/>
+          </a:bodyPr>
+          <a:lstStyle/>
+          <a:p>
+            <a:pPr algn="ctr"/>
+            <a:r>
+              <a:rPr lang="en-US" altLang="ko-KR" sz="3800" dirty="0">
+                <a:solidFill>
+                  <a:schemeClr val="tx1"/>
+                </a:solidFill>
+              </a:rPr>
+              <a:t>Shortest Path : Priority First Search </a:t>
+            </a:r>
+            <a:endParaRPr lang="ko-KR" altLang="en-US" sz="3800" dirty="0">
+              <a:solidFill>
+                <a:schemeClr val="tx1"/>
+              </a:solidFill>
+            </a:endParaRPr>
+          </a:p>
+        </p:txBody>
+      </p:sp>
+      <p:sp>
+        <p:nvSpPr>
+          <p:cNvPr id="26" name="Прямоугольник 91">
+            <a:extLst>
+              <a:ext uri="{FF2B5EF4-FFF2-40B4-BE49-F238E27FC236}">
+                <a16:creationId xmlns:a16="http://schemas.microsoft.com/office/drawing/2014/main" id="{50D50DD6-AA7F-4C3A-BFEA-2C8C08E6F318}"/>
+              </a:ext>
+            </a:extLst>
+          </p:cNvPr>
+          <p:cNvSpPr>
+            <a:spLocks noChangeArrowheads="1"/>
+          </p:cNvSpPr>
+          <p:nvPr/>
+        </p:nvSpPr>
+        <p:spPr bwMode="auto">
+          <a:xfrm>
+            <a:off x="9608622" y="6817132"/>
+            <a:ext cx="9875504" cy="677108"/>
+          </a:xfrm>
+          <a:prstGeom prst="rect">
+            <a:avLst/>
+          </a:prstGeom>
+          <a:noFill/>
+          <a:ln>
+            <a:noFill/>
+          </a:ln>
+        </p:spPr>
+        <p:txBody>
+          <a:bodyPr wrap="square">
+            <a:spAutoFit/>
+          </a:bodyPr>
+          <a:lstStyle/>
+          <a:p>
+            <a:pPr algn="ctr"/>
+            <a:r>
+              <a:rPr lang="en-US" altLang="ko-KR" sz="3800" dirty="0">
+                <a:solidFill>
+                  <a:schemeClr val="tx1"/>
+                </a:solidFill>
+              </a:rPr>
+              <a:t>Minimum cost spanning tree : Kruskal</a:t>
+            </a:r>
+            <a:endParaRPr lang="ko-KR" altLang="en-US" sz="3800" dirty="0">
+              <a:solidFill>
+                <a:schemeClr val="tx1"/>
+              </a:solidFill>
+            </a:endParaRPr>
+          </a:p>
+        </p:txBody>
+      </p:sp>
+      <p:sp>
+        <p:nvSpPr>
+          <p:cNvPr id="30" name="Text Box 27">
+            <a:extLst>
+              <a:ext uri="{FF2B5EF4-FFF2-40B4-BE49-F238E27FC236}">
+                <a16:creationId xmlns:a16="http://schemas.microsoft.com/office/drawing/2014/main" id="{BB9A1FB7-143F-4C28-B944-F3EB111FD1BD}"/>
+              </a:ext>
+            </a:extLst>
+          </p:cNvPr>
+          <p:cNvSpPr txBox="1">
+            <a:spLocks/>
+          </p:cNvSpPr>
+          <p:nvPr/>
+        </p:nvSpPr>
+        <p:spPr bwMode="auto">
+          <a:xfrm>
+            <a:off x="3271842" y="5635828"/>
+            <a:ext cx="4177890" cy="933589"/>
+          </a:xfrm>
+          <a:prstGeom prst="rect">
+            <a:avLst/>
+          </a:prstGeom>
+          <a:noFill/>
+          <a:ln>
+            <a:noFill/>
+          </a:ln>
+          <a:effectLst/>
+          <a:extLst>
+            <a:ext uri="{909E8E84-426E-40DD-AFC4-6F175D3DCCD1}">
+              <a14:hiddenFill xmlns:a14="http://schemas.microsoft.com/office/drawing/2010/main">
+                <a:solidFill>
+                  <a:srgbClr val="FFFFFF"/>
+                </a:solidFill>
+              </a14:hiddenFill>
+            </a:ext>
+            <a:ext uri="{91240B29-F687-4F45-9708-019B960494DF}">
+              <a14:hiddenLine xmlns:a14="http://schemas.microsoft.com/office/drawing/2010/main" w="12700" cap="flat" cmpd="sng">
+                <a:solidFill>
+                  <a:srgbClr val="000000"/>
+                </a:solidFill>
+                <a:prstDash val="solid"/>
+                <a:miter lim="400000"/>
+                <a:headEnd type="none" w="med" len="med"/>
+                <a:tailEnd type="none" w="med" len="med"/>
+              </a14:hiddenLine>
+            </a:ext>
+            <a:ext uri="{AF507438-7753-43E0-B8FC-AC1667EBCBE1}">
+              <a14:hiddenEffects xmlns:a14="http://schemas.microsoft.com/office/drawing/2010/main">
+                <a:effectLst>
+                  <a:outerShdw blurRad="63500" dist="38099" dir="2700000" algn="ctr" rotWithShape="0">
+                    <a:srgbClr val="000000">
+                      <a:alpha val="74998"/>
+                    </a:srgbClr>
+                  </a:outerShdw>
+                </a:effectLst>
+              </a14:hiddenEffects>
+            </a:ext>
+          </a:extLst>
+        </p:spPr>
+        <p:txBody>
+          <a:bodyPr wrap="square" lIns="50800" tIns="50800" rIns="50800" bIns="50800" anchor="ctr">
+            <a:spAutoFit/>
+          </a:bodyPr>
+          <a:lstStyle/>
+          <a:p>
+            <a:pPr algn="ctr" eaLnBrk="1">
+              <a:defRPr/>
+            </a:pPr>
+            <a:r>
+              <a:rPr lang="ko-KR" altLang="en-US" sz="5400" b="0" dirty="0">
+                <a:solidFill>
+                  <a:srgbClr val="555B64"/>
+                </a:solidFill>
+                <a:latin typeface="나눔고딕 ExtraBold" panose="020D0904000000000000" pitchFamily="50" charset="-127"/>
+                <a:ea typeface="나눔고딕 ExtraBold" panose="020D0904000000000000" pitchFamily="50" charset="-127"/>
+                <a:cs typeface="Impact" charset="0"/>
+              </a:rPr>
+              <a:t>탐욕 알고리즘</a:t>
+            </a:r>
+            <a:endParaRPr lang="en-US" altLang="x-none" sz="5400" b="0" dirty="0">
+              <a:solidFill>
+                <a:srgbClr val="555B64"/>
+              </a:solidFill>
+              <a:latin typeface="나눔고딕 ExtraBold" panose="020D0904000000000000" pitchFamily="50" charset="-127"/>
+              <a:ea typeface="나눔고딕 ExtraBold" panose="020D0904000000000000" pitchFamily="50" charset="-127"/>
+              <a:cs typeface="Impact" charset="0"/>
+            </a:endParaRPr>
+          </a:p>
+        </p:txBody>
+      </p:sp>
+      <p:sp>
+        <p:nvSpPr>
+          <p:cNvPr id="31" name="Text Box 27">
+            <a:extLst>
+              <a:ext uri="{FF2B5EF4-FFF2-40B4-BE49-F238E27FC236}">
+                <a16:creationId xmlns:a16="http://schemas.microsoft.com/office/drawing/2014/main" id="{3BA0B391-8F7A-420A-94B6-626ED0451CF2}"/>
+              </a:ext>
+            </a:extLst>
+          </p:cNvPr>
+          <p:cNvSpPr txBox="1">
+            <a:spLocks/>
+          </p:cNvSpPr>
+          <p:nvPr/>
+        </p:nvSpPr>
+        <p:spPr bwMode="auto">
+          <a:xfrm>
+            <a:off x="3111926" y="6545708"/>
+            <a:ext cx="4457248" cy="595035"/>
+          </a:xfrm>
+          <a:prstGeom prst="rect">
+            <a:avLst/>
+          </a:prstGeom>
+          <a:noFill/>
+          <a:ln>
+            <a:noFill/>
+          </a:ln>
+          <a:effectLst/>
+          <a:extLst>
+            <a:ext uri="{909E8E84-426E-40DD-AFC4-6F175D3DCCD1}">
+              <a14:hiddenFill xmlns:a14="http://schemas.microsoft.com/office/drawing/2010/main">
+                <a:solidFill>
+                  <a:srgbClr val="FFFFFF"/>
+                </a:solidFill>
+              </a14:hiddenFill>
+            </a:ext>
+            <a:ext uri="{91240B29-F687-4F45-9708-019B960494DF}">
+              <a14:hiddenLine xmlns:a14="http://schemas.microsoft.com/office/drawing/2010/main" w="12700" cap="flat" cmpd="sng">
+                <a:solidFill>
+                  <a:srgbClr val="000000"/>
+                </a:solidFill>
+                <a:prstDash val="solid"/>
+                <a:miter lim="400000"/>
+                <a:headEnd type="none" w="med" len="med"/>
+                <a:tailEnd type="none" w="med" len="med"/>
+              </a14:hiddenLine>
+            </a:ext>
+            <a:ext uri="{AF507438-7753-43E0-B8FC-AC1667EBCBE1}">
+              <a14:hiddenEffects xmlns:a14="http://schemas.microsoft.com/office/drawing/2010/main">
+                <a:effectLst>
+                  <a:outerShdw blurRad="63500" dist="38099" dir="2700000" algn="ctr" rotWithShape="0">
+                    <a:srgbClr val="000000">
+                      <a:alpha val="74998"/>
+                    </a:srgbClr>
+                  </a:outerShdw>
+                </a:effectLst>
+              </a14:hiddenEffects>
+            </a:ext>
+          </a:extLst>
+        </p:spPr>
+        <p:txBody>
+          <a:bodyPr wrap="square" lIns="50800" tIns="50800" rIns="50800" bIns="50800" anchor="ctr">
+            <a:spAutoFit/>
+          </a:bodyPr>
+          <a:lstStyle/>
+          <a:p>
+            <a:pPr algn="ctr" eaLnBrk="1">
+              <a:defRPr/>
+            </a:pPr>
+            <a:r>
+              <a:rPr lang="en-US" altLang="x-none" sz="3200" b="0" dirty="0">
+                <a:solidFill>
+                  <a:srgbClr val="565C66"/>
+                </a:solidFill>
+                <a:latin typeface="나눔고딕 ExtraBold" panose="020D0904000000000000" pitchFamily="50" charset="-127"/>
+                <a:ea typeface="나눔고딕 ExtraBold" panose="020D0904000000000000" pitchFamily="50" charset="-127"/>
+                <a:cs typeface="Impact" charset="0"/>
+              </a:rPr>
+              <a:t>Greedy Method</a:t>
+            </a:r>
+          </a:p>
+        </p:txBody>
+      </p:sp>
+      <p:pic>
+        <p:nvPicPr>
+          <p:cNvPr id="32" name="그림 31">
+            <a:extLst>
+              <a:ext uri="{FF2B5EF4-FFF2-40B4-BE49-F238E27FC236}">
+                <a16:creationId xmlns:a16="http://schemas.microsoft.com/office/drawing/2014/main" id="{9DC29A80-BF0A-4265-AB94-685CFC7FFCC3}"/>
+              </a:ext>
+            </a:extLst>
+          </p:cNvPr>
+          <p:cNvPicPr>
+            <a:picLocks noChangeAspect="1"/>
+          </p:cNvPicPr>
+          <p:nvPr/>
+        </p:nvPicPr>
+        <p:blipFill>
+          <a:blip r:embed="rId3"/>
+          <a:stretch>
+            <a:fillRect/>
+          </a:stretch>
+        </p:blipFill>
+        <p:spPr>
+          <a:xfrm>
+            <a:off x="-8330280" y="4195280"/>
+            <a:ext cx="7947288" cy="6513758"/>
+          </a:xfrm>
+          <a:prstGeom prst="rect">
+            <a:avLst/>
+          </a:prstGeom>
+        </p:spPr>
+      </p:pic>
+      <p:cxnSp>
+        <p:nvCxnSpPr>
+          <p:cNvPr id="35" name="직선 연결선 34">
+            <a:extLst>
+              <a:ext uri="{FF2B5EF4-FFF2-40B4-BE49-F238E27FC236}">
+                <a16:creationId xmlns:a16="http://schemas.microsoft.com/office/drawing/2014/main" id="{FBAAD9BF-32D1-4A90-8D04-D7737D4BCDD1}"/>
+              </a:ext>
+            </a:extLst>
+          </p:cNvPr>
+          <p:cNvCxnSpPr>
+            <a:endCxn id="5" idx="1"/>
+          </p:cNvCxnSpPr>
+          <p:nvPr/>
+        </p:nvCxnSpPr>
+        <p:spPr bwMode="auto">
+          <a:xfrm flipV="1">
+            <a:off x="7799774" y="5719555"/>
+            <a:ext cx="1972445" cy="314069"/>
+          </a:xfrm>
+          <a:prstGeom prst="line">
+            <a:avLst/>
+          </a:prstGeom>
+          <a:solidFill>
+            <a:schemeClr val="accent1"/>
+          </a:solidFill>
+          <a:ln w="41275" cap="flat" cmpd="sng" algn="ctr">
+            <a:solidFill>
+              <a:srgbClr val="7D899B"/>
+            </a:solidFill>
+            <a:prstDash val="solid"/>
+            <a:miter lim="400000"/>
+            <a:headEnd type="none" w="med" len="med"/>
+            <a:tailEnd type="none" w="med" len="med"/>
+          </a:ln>
+          <a:effectLst/>
+          <a:extLst>
+            <a:ext uri="{AF507438-7753-43E0-B8FC-AC1667EBCBE1}">
+              <a14:hiddenEffects xmlns:a14="http://schemas.microsoft.com/office/drawing/2010/main">
+                <a:effectLst>
+                  <a:outerShdw blurRad="63500" dist="38099" dir="2700000" algn="ctr" rotWithShape="0">
+                    <a:schemeClr val="bg2">
+                      <a:alpha val="74998"/>
+                    </a:schemeClr>
+                  </a:outerShdw>
+                </a:effectLst>
+              </a14:hiddenEffects>
+            </a:ext>
+          </a:extLst>
+        </p:spPr>
+      </p:cxnSp>
+      <p:cxnSp>
+        <p:nvCxnSpPr>
+          <p:cNvPr id="38" name="직선 연결선 37">
+            <a:extLst>
+              <a:ext uri="{FF2B5EF4-FFF2-40B4-BE49-F238E27FC236}">
+                <a16:creationId xmlns:a16="http://schemas.microsoft.com/office/drawing/2014/main" id="{8BEDD86B-EB7F-405B-8695-68249FE3A928}"/>
+              </a:ext>
+            </a:extLst>
+          </p:cNvPr>
+          <p:cNvCxnSpPr>
+            <a:endCxn id="10" idx="1"/>
+          </p:cNvCxnSpPr>
+          <p:nvPr/>
+        </p:nvCxnSpPr>
+        <p:spPr bwMode="auto">
+          <a:xfrm>
+            <a:off x="7727504" y="6569417"/>
+            <a:ext cx="2086048" cy="580503"/>
+          </a:xfrm>
+          <a:prstGeom prst="line">
+            <a:avLst/>
+          </a:prstGeom>
+          <a:solidFill>
+            <a:schemeClr val="accent1"/>
+          </a:solidFill>
+          <a:ln w="41275" cap="flat" cmpd="sng" algn="ctr">
+            <a:solidFill>
+              <a:srgbClr val="7D899B"/>
+            </a:solidFill>
+            <a:prstDash val="solid"/>
+            <a:miter lim="400000"/>
+            <a:headEnd type="none" w="med" len="med"/>
+            <a:tailEnd type="none" w="med" len="med"/>
+          </a:ln>
+          <a:effectLst/>
+          <a:extLst>
+            <a:ext uri="{AF507438-7753-43E0-B8FC-AC1667EBCBE1}">
+              <a14:hiddenEffects xmlns:a14="http://schemas.microsoft.com/office/drawing/2010/main">
+                <a:effectLst>
+                  <a:outerShdw blurRad="63500" dist="38099" dir="2700000" algn="ctr" rotWithShape="0">
+                    <a:schemeClr val="bg2">
+                      <a:alpha val="74998"/>
+                    </a:schemeClr>
+                  </a:outerShdw>
+                </a:effectLst>
+              </a14:hiddenEffects>
+            </a:ext>
+          </a:extLst>
+        </p:spPr>
+      </p:cxnSp>
+      <p:sp>
+        <p:nvSpPr>
+          <p:cNvPr id="39" name="Овал 8">
+            <a:extLst>
+              <a:ext uri="{FF2B5EF4-FFF2-40B4-BE49-F238E27FC236}">
+                <a16:creationId xmlns:a16="http://schemas.microsoft.com/office/drawing/2014/main" id="{60ADCF49-1EA0-42DB-8B7E-76145F76416C}"/>
+              </a:ext>
+            </a:extLst>
+          </p:cNvPr>
+          <p:cNvSpPr>
+            <a:spLocks noChangeArrowheads="1"/>
+          </p:cNvSpPr>
+          <p:nvPr/>
+        </p:nvSpPr>
+        <p:spPr bwMode="auto">
+          <a:xfrm>
+            <a:off x="7636041" y="5939308"/>
+            <a:ext cx="200025" cy="200025"/>
+          </a:xfrm>
+          <a:prstGeom prst="ellipse">
+            <a:avLst/>
+          </a:prstGeom>
+          <a:solidFill>
+            <a:srgbClr val="697689"/>
+          </a:solidFill>
+          <a:ln>
+            <a:noFill/>
+          </a:ln>
+        </p:spPr>
+        <p:txBody>
+          <a:bodyPr lIns="0" tIns="0" rIns="0" bIns="0" anchor="ctr">
+            <a:spAutoFit/>
+          </a:bodyPr>
+          <a:lstStyle/>
+          <a:p>
+            <a:pPr algn="ctr" eaLnBrk="1"/>
+            <a:endParaRPr lang="ru-RU" altLang="ru-RU"/>
+          </a:p>
+        </p:txBody>
+      </p:sp>
+      <p:sp>
+        <p:nvSpPr>
+          <p:cNvPr id="40" name="Овал 8">
+            <a:extLst>
+              <a:ext uri="{FF2B5EF4-FFF2-40B4-BE49-F238E27FC236}">
+                <a16:creationId xmlns:a16="http://schemas.microsoft.com/office/drawing/2014/main" id="{3B556843-D35D-4EAC-AAA7-525823732376}"/>
+              </a:ext>
+            </a:extLst>
+          </p:cNvPr>
+          <p:cNvSpPr>
+            <a:spLocks noChangeArrowheads="1"/>
+          </p:cNvSpPr>
+          <p:nvPr/>
+        </p:nvSpPr>
+        <p:spPr bwMode="auto">
+          <a:xfrm>
+            <a:off x="7622569" y="6487535"/>
+            <a:ext cx="200025" cy="200025"/>
+          </a:xfrm>
+          <a:prstGeom prst="ellipse">
+            <a:avLst/>
+          </a:prstGeom>
+          <a:solidFill>
+            <a:srgbClr val="697689"/>
+          </a:solidFill>
+          <a:ln>
+            <a:noFill/>
+          </a:ln>
+        </p:spPr>
+        <p:txBody>
+          <a:bodyPr lIns="0" tIns="0" rIns="0" bIns="0" anchor="ctr">
+            <a:spAutoFit/>
+          </a:bodyPr>
+          <a:lstStyle/>
+          <a:p>
+            <a:pPr algn="ctr" eaLnBrk="1"/>
+            <a:endParaRPr lang="ru-RU" altLang="ru-RU"/>
+          </a:p>
+        </p:txBody>
+      </p:sp>
+      <p:sp>
+        <p:nvSpPr>
+          <p:cNvPr id="41" name="Полилиния 12">
+            <a:extLst>
+              <a:ext uri="{FF2B5EF4-FFF2-40B4-BE49-F238E27FC236}">
+                <a16:creationId xmlns:a16="http://schemas.microsoft.com/office/drawing/2014/main" id="{DB4476C8-CA15-4D0C-86C1-385997CA88E5}"/>
+              </a:ext>
+            </a:extLst>
+          </p:cNvPr>
+          <p:cNvSpPr>
+            <a:spLocks/>
+          </p:cNvSpPr>
+          <p:nvPr/>
+        </p:nvSpPr>
+        <p:spPr bwMode="auto">
+          <a:xfrm rot="13957205">
+            <a:off x="7526868" y="7467818"/>
+            <a:ext cx="2553119" cy="959767"/>
+          </a:xfrm>
+          <a:custGeom>
+            <a:avLst/>
+            <a:gdLst>
+              <a:gd name="T0" fmla="*/ 0 w 2117558"/>
+              <a:gd name="T1" fmla="*/ 1181100 h 1179094"/>
+              <a:gd name="T2" fmla="*/ 985927 w 2117558"/>
+              <a:gd name="T3" fmla="*/ 192833 h 1179094"/>
+              <a:gd name="T4" fmla="*/ 1370680 w 2117558"/>
+              <a:gd name="T5" fmla="*/ 0 h 1179094"/>
+              <a:gd name="T6" fmla="*/ 2116137 w 2117558"/>
+              <a:gd name="T7" fmla="*/ 0 h 1179094"/>
+              <a:gd name="T8" fmla="*/ 0 60000 65536"/>
+              <a:gd name="T9" fmla="*/ 0 60000 65536"/>
+              <a:gd name="T10" fmla="*/ 0 60000 65536"/>
+              <a:gd name="T11" fmla="*/ 0 60000 65536"/>
+            </a:gdLst>
+            <a:ahLst/>
+            <a:cxnLst>
+              <a:cxn ang="T8">
+                <a:pos x="T0" y="T1"/>
+              </a:cxn>
+              <a:cxn ang="T9">
+                <a:pos x="T2" y="T3"/>
+              </a:cxn>
+              <a:cxn ang="T10">
+                <a:pos x="T4" y="T5"/>
+              </a:cxn>
+              <a:cxn ang="T11">
+                <a:pos x="T6" y="T7"/>
+              </a:cxn>
+            </a:cxnLst>
+            <a:rect l="0" t="0" r="r" b="b"/>
+            <a:pathLst>
+              <a:path w="2117558" h="1179094">
+                <a:moveTo>
+                  <a:pt x="0" y="1179094"/>
+                </a:moveTo>
+                <a:lnTo>
+                  <a:pt x="986589" y="192505"/>
+                </a:lnTo>
+                <a:cubicBezTo>
+                  <a:pt x="1075897" y="111610"/>
+                  <a:pt x="1187507" y="8412"/>
+                  <a:pt x="1371600" y="0"/>
+                </a:cubicBezTo>
+                <a:lnTo>
+                  <a:pt x="2117558" y="0"/>
+                </a:lnTo>
+              </a:path>
+            </a:pathLst>
+          </a:custGeom>
+          <a:noFill/>
+          <a:ln w="41275" cap="flat" cmpd="sng">
+            <a:solidFill>
+              <a:srgbClr val="7D899B"/>
+            </a:solidFill>
+            <a:prstDash val="solid"/>
+            <a:miter lim="400000"/>
+            <a:headEnd type="none" w="med" len="med"/>
+            <a:tailEnd type="none" w="med" len="med"/>
+          </a:ln>
+          <a:effectLst/>
+          <a:extLst>
+            <a:ext uri="{909E8E84-426E-40DD-AFC4-6F175D3DCCD1}">
+              <a14:hiddenFill xmlns:a14="http://schemas.microsoft.com/office/drawing/2010/main">
+                <a:solidFill>
+                  <a:srgbClr val="FFFFFF"/>
+                </a:solidFill>
+              </a14:hiddenFill>
+            </a:ext>
+            <a:ext uri="{AF507438-7753-43E0-B8FC-AC1667EBCBE1}">
+              <a14:hiddenEffects xmlns:a14="http://schemas.microsoft.com/office/drawing/2010/main">
+                <a:effectLst>
+                  <a:outerShdw blurRad="63500" dist="38099" dir="2700000" algn="ctr" rotWithShape="0">
+                    <a:schemeClr val="bg2">
+                      <a:alpha val="74997"/>
+                    </a:schemeClr>
+                  </a:outerShdw>
+                </a:effectLst>
+              </a14:hiddenEffects>
+            </a:ext>
+          </a:extLst>
+        </p:spPr>
+        <p:txBody>
+          <a:bodyPr wrap="square" lIns="0" tIns="0" rIns="0" bIns="0" anchor="ctr">
+            <a:spAutoFit/>
+          </a:bodyPr>
+          <a:lstStyle/>
+          <a:p>
+            <a:endParaRPr lang="ko-KR" altLang="en-US" dirty="0"/>
+          </a:p>
+        </p:txBody>
+      </p:sp>
+      <p:sp>
+        <p:nvSpPr>
+          <p:cNvPr id="9" name="Скругленный прямоугольник 88">
+            <a:extLst>
+              <a:ext uri="{FF2B5EF4-FFF2-40B4-BE49-F238E27FC236}">
+                <a16:creationId xmlns:a16="http://schemas.microsoft.com/office/drawing/2014/main" id="{A516E776-1604-47BA-9BBC-2F65AD7E7DB4}"/>
+              </a:ext>
+            </a:extLst>
+          </p:cNvPr>
+          <p:cNvSpPr>
+            <a:spLocks noChangeArrowheads="1"/>
+          </p:cNvSpPr>
+          <p:nvPr/>
+        </p:nvSpPr>
+        <p:spPr bwMode="auto">
+          <a:xfrm>
+            <a:off x="9907274" y="8173843"/>
+            <a:ext cx="4565091" cy="955858"/>
+          </a:xfrm>
+          <a:prstGeom prst="roundRect">
+            <a:avLst>
+              <a:gd name="adj" fmla="val 50000"/>
+            </a:avLst>
+          </a:prstGeom>
+          <a:solidFill>
+            <a:srgbClr val="CFF09E"/>
+          </a:solidFill>
+          <a:ln>
+            <a:noFill/>
+          </a:ln>
+        </p:spPr>
+        <p:txBody>
+          <a:bodyPr wrap="square" lIns="0" tIns="0" rIns="0" bIns="0" anchor="ctr">
+            <a:spAutoFit/>
+          </a:bodyPr>
+          <a:lstStyle/>
+          <a:p>
+            <a:pPr algn="ctr" eaLnBrk="1"/>
+            <a:endParaRPr lang="ru-RU" altLang="ru-RU"/>
+          </a:p>
+        </p:txBody>
+      </p:sp>
+      <p:sp>
+        <p:nvSpPr>
+          <p:cNvPr id="25" name="Прямоугольник 91">
+            <a:extLst>
+              <a:ext uri="{FF2B5EF4-FFF2-40B4-BE49-F238E27FC236}">
+                <a16:creationId xmlns:a16="http://schemas.microsoft.com/office/drawing/2014/main" id="{FF9BA943-AD71-4491-AE4D-E893C47E289D}"/>
+              </a:ext>
+            </a:extLst>
+          </p:cNvPr>
+          <p:cNvSpPr>
+            <a:spLocks noChangeArrowheads="1"/>
+          </p:cNvSpPr>
+          <p:nvPr/>
+        </p:nvSpPr>
+        <p:spPr bwMode="auto">
+          <a:xfrm>
+            <a:off x="10186105" y="8337613"/>
+            <a:ext cx="3975768" cy="677108"/>
+          </a:xfrm>
+          <a:prstGeom prst="rect">
+            <a:avLst/>
+          </a:prstGeom>
+          <a:noFill/>
+          <a:ln>
+            <a:noFill/>
+          </a:ln>
+        </p:spPr>
+        <p:txBody>
+          <a:bodyPr wrap="none">
+            <a:spAutoFit/>
+          </a:bodyPr>
+          <a:lstStyle/>
+          <a:p>
+            <a:pPr algn="ctr"/>
+            <a:r>
+              <a:rPr lang="en-US" altLang="ko-KR" sz="3800" dirty="0">
+                <a:solidFill>
+                  <a:schemeClr val="tx1"/>
+                </a:solidFill>
+              </a:rPr>
+              <a:t>Huffman Coding</a:t>
+            </a:r>
+            <a:endParaRPr lang="ko-KR" altLang="en-US" sz="3800" dirty="0">
+              <a:solidFill>
+                <a:schemeClr val="tx1"/>
+              </a:solidFill>
+            </a:endParaRPr>
+          </a:p>
+        </p:txBody>
+      </p:sp>
+      <p:pic>
+        <p:nvPicPr>
+          <p:cNvPr id="42" name="그림 41">
+            <a:extLst>
+              <a:ext uri="{FF2B5EF4-FFF2-40B4-BE49-F238E27FC236}">
+                <a16:creationId xmlns:a16="http://schemas.microsoft.com/office/drawing/2014/main" id="{34957457-E334-4C66-8086-01698EF439E3}"/>
+              </a:ext>
+            </a:extLst>
+          </p:cNvPr>
+          <p:cNvPicPr>
+            <a:picLocks noChangeAspect="1"/>
+          </p:cNvPicPr>
+          <p:nvPr/>
+        </p:nvPicPr>
+        <p:blipFill>
+          <a:blip r:embed="rId4"/>
+          <a:stretch>
+            <a:fillRect/>
+          </a:stretch>
+        </p:blipFill>
+        <p:spPr>
+          <a:xfrm>
+            <a:off x="-7338860" y="2267214"/>
+            <a:ext cx="5467166" cy="7528936"/>
+          </a:xfrm>
+          <a:prstGeom prst="rect">
+            <a:avLst/>
+          </a:prstGeom>
+        </p:spPr>
+      </p:pic>
     </p:spTree>
     <p:extLst>
       <p:ext uri="{BB962C8B-B14F-4D97-AF65-F5344CB8AC3E}">
@@ -7699,6 +9780,2483 @@
           <a:chExt cx="0" cy="0"/>
         </a:xfrm>
       </p:grpSpPr>
+      <p:cxnSp>
+        <p:nvCxnSpPr>
+          <p:cNvPr id="61" name="직선 연결선 60">
+            <a:extLst>
+              <a:ext uri="{FF2B5EF4-FFF2-40B4-BE49-F238E27FC236}">
+                <a16:creationId xmlns:a16="http://schemas.microsoft.com/office/drawing/2014/main" id="{C0997F65-CD4D-4D38-9679-AA3D85195082}"/>
+              </a:ext>
+            </a:extLst>
+          </p:cNvPr>
+          <p:cNvCxnSpPr/>
+          <p:nvPr/>
+        </p:nvCxnSpPr>
+        <p:spPr bwMode="auto">
+          <a:xfrm flipV="1">
+            <a:off x="21011791" y="7035960"/>
+            <a:ext cx="1513357" cy="1829314"/>
+          </a:xfrm>
+          <a:prstGeom prst="line">
+            <a:avLst/>
+          </a:prstGeom>
+          <a:solidFill>
+            <a:schemeClr val="accent1"/>
+          </a:solidFill>
+          <a:ln w="88900" cap="flat" cmpd="sng" algn="ctr">
+            <a:solidFill>
+              <a:srgbClr val="0099EE"/>
+            </a:solidFill>
+            <a:prstDash val="solid"/>
+            <a:miter lim="400000"/>
+            <a:headEnd type="none" w="med" len="med"/>
+            <a:tailEnd type="none" w="med" len="med"/>
+          </a:ln>
+          <a:effectLst/>
+          <a:extLst>
+            <a:ext uri="{AF507438-7753-43E0-B8FC-AC1667EBCBE1}">
+              <a14:hiddenEffects xmlns:a14="http://schemas.microsoft.com/office/drawing/2010/main">
+                <a:effectLst>
+                  <a:outerShdw blurRad="63500" dist="38099" dir="2700000" algn="ctr" rotWithShape="0">
+                    <a:schemeClr val="bg2">
+                      <a:alpha val="74998"/>
+                    </a:schemeClr>
+                  </a:outerShdw>
+                </a:effectLst>
+              </a14:hiddenEffects>
+            </a:ext>
+          </a:extLst>
+        </p:spPr>
+      </p:cxnSp>
+      <p:sp>
+        <p:nvSpPr>
+          <p:cNvPr id="3" name="타원 2">
+            <a:extLst>
+              <a:ext uri="{FF2B5EF4-FFF2-40B4-BE49-F238E27FC236}">
+                <a16:creationId xmlns:a16="http://schemas.microsoft.com/office/drawing/2014/main" id="{15FB40E9-6BBB-4E4B-BAAF-DFB7C73B128D}"/>
+              </a:ext>
+            </a:extLst>
+          </p:cNvPr>
+          <p:cNvSpPr>
+            <a:spLocks noChangeAspect="1"/>
+          </p:cNvSpPr>
+          <p:nvPr/>
+        </p:nvSpPr>
+        <p:spPr>
+          <a:xfrm>
+            <a:off x="2864415" y="2313782"/>
+            <a:ext cx="1944216" cy="1944216"/>
+          </a:xfrm>
+          <a:prstGeom prst="ellipse">
+            <a:avLst/>
+          </a:prstGeom>
+          <a:solidFill>
+            <a:srgbClr val="432F2E"/>
+          </a:solidFill>
+          <a:ln>
+            <a:noFill/>
+          </a:ln>
+        </p:spPr>
+        <p:style>
+          <a:lnRef idx="2">
+            <a:schemeClr val="accent1">
+              <a:shade val="50000"/>
+            </a:schemeClr>
+          </a:lnRef>
+          <a:fillRef idx="1">
+            <a:schemeClr val="accent1"/>
+          </a:fillRef>
+          <a:effectRef idx="0">
+            <a:schemeClr val="accent1"/>
+          </a:effectRef>
+          <a:fontRef idx="minor">
+            <a:schemeClr val="lt1"/>
+          </a:fontRef>
+        </p:style>
+        <p:txBody>
+          <a:bodyPr rtlCol="0" anchor="ctr"/>
+          <a:lstStyle/>
+          <a:p>
+            <a:pPr algn="ctr"/>
+            <a:r>
+              <a:rPr lang="en-US" altLang="ko-KR" sz="6000" dirty="0"/>
+              <a:t>A</a:t>
+            </a:r>
+            <a:endParaRPr lang="ko-KR" altLang="en-US" sz="6000" dirty="0"/>
+          </a:p>
+        </p:txBody>
+      </p:sp>
+      <p:sp>
+        <p:nvSpPr>
+          <p:cNvPr id="5" name="타원 4">
+            <a:extLst>
+              <a:ext uri="{FF2B5EF4-FFF2-40B4-BE49-F238E27FC236}">
+                <a16:creationId xmlns:a16="http://schemas.microsoft.com/office/drawing/2014/main" id="{861268BC-703B-4528-B6FC-9080D2318C50}"/>
+              </a:ext>
+            </a:extLst>
+          </p:cNvPr>
+          <p:cNvSpPr>
+            <a:spLocks noChangeAspect="1"/>
+          </p:cNvSpPr>
+          <p:nvPr/>
+        </p:nvSpPr>
+        <p:spPr>
+          <a:xfrm>
+            <a:off x="155359" y="5230106"/>
+            <a:ext cx="1944216" cy="1944216"/>
+          </a:xfrm>
+          <a:prstGeom prst="ellipse">
+            <a:avLst/>
+          </a:prstGeom>
+          <a:solidFill>
+            <a:srgbClr val="432F2E"/>
+          </a:solidFill>
+          <a:ln>
+            <a:noFill/>
+          </a:ln>
+        </p:spPr>
+        <p:style>
+          <a:lnRef idx="2">
+            <a:schemeClr val="accent1">
+              <a:shade val="50000"/>
+            </a:schemeClr>
+          </a:lnRef>
+          <a:fillRef idx="1">
+            <a:schemeClr val="accent1"/>
+          </a:fillRef>
+          <a:effectRef idx="0">
+            <a:schemeClr val="accent1"/>
+          </a:effectRef>
+          <a:fontRef idx="minor">
+            <a:schemeClr val="lt1"/>
+          </a:fontRef>
+        </p:style>
+        <p:txBody>
+          <a:bodyPr rtlCol="0" anchor="ctr"/>
+          <a:lstStyle/>
+          <a:p>
+            <a:pPr algn="ctr"/>
+            <a:r>
+              <a:rPr lang="en-US" altLang="ko-KR" sz="6000" dirty="0"/>
+              <a:t>B</a:t>
+            </a:r>
+            <a:endParaRPr lang="ko-KR" altLang="en-US" sz="6000" dirty="0"/>
+          </a:p>
+        </p:txBody>
+      </p:sp>
+      <p:sp>
+        <p:nvSpPr>
+          <p:cNvPr id="6" name="타원 5">
+            <a:extLst>
+              <a:ext uri="{FF2B5EF4-FFF2-40B4-BE49-F238E27FC236}">
+                <a16:creationId xmlns:a16="http://schemas.microsoft.com/office/drawing/2014/main" id="{1BAEA187-0A8B-410C-B18B-463DBDB1BFC8}"/>
+              </a:ext>
+            </a:extLst>
+          </p:cNvPr>
+          <p:cNvSpPr>
+            <a:spLocks noChangeAspect="1"/>
+          </p:cNvSpPr>
+          <p:nvPr/>
+        </p:nvSpPr>
+        <p:spPr>
+          <a:xfrm>
+            <a:off x="5555961" y="5230106"/>
+            <a:ext cx="1944216" cy="1944216"/>
+          </a:xfrm>
+          <a:prstGeom prst="ellipse">
+            <a:avLst/>
+          </a:prstGeom>
+          <a:solidFill>
+            <a:srgbClr val="432F2E"/>
+          </a:solidFill>
+          <a:ln>
+            <a:noFill/>
+          </a:ln>
+        </p:spPr>
+        <p:style>
+          <a:lnRef idx="2">
+            <a:schemeClr val="accent1">
+              <a:shade val="50000"/>
+            </a:schemeClr>
+          </a:lnRef>
+          <a:fillRef idx="1">
+            <a:schemeClr val="accent1"/>
+          </a:fillRef>
+          <a:effectRef idx="0">
+            <a:schemeClr val="accent1"/>
+          </a:effectRef>
+          <a:fontRef idx="minor">
+            <a:schemeClr val="lt1"/>
+          </a:fontRef>
+        </p:style>
+        <p:txBody>
+          <a:bodyPr rtlCol="0" anchor="ctr"/>
+          <a:lstStyle/>
+          <a:p>
+            <a:pPr algn="ctr"/>
+            <a:r>
+              <a:rPr lang="en-US" altLang="ko-KR" sz="6000" dirty="0"/>
+              <a:t>C</a:t>
+            </a:r>
+            <a:endParaRPr lang="ko-KR" altLang="en-US" sz="6000" dirty="0"/>
+          </a:p>
+        </p:txBody>
+      </p:sp>
+      <p:sp>
+        <p:nvSpPr>
+          <p:cNvPr id="7" name="타원 6">
+            <a:extLst>
+              <a:ext uri="{FF2B5EF4-FFF2-40B4-BE49-F238E27FC236}">
+                <a16:creationId xmlns:a16="http://schemas.microsoft.com/office/drawing/2014/main" id="{EF2F574D-D939-4444-99D9-435ADAAE9F3D}"/>
+              </a:ext>
+            </a:extLst>
+          </p:cNvPr>
+          <p:cNvSpPr>
+            <a:spLocks noChangeAspect="1"/>
+          </p:cNvSpPr>
+          <p:nvPr/>
+        </p:nvSpPr>
+        <p:spPr>
+          <a:xfrm>
+            <a:off x="2855659" y="8290446"/>
+            <a:ext cx="1944216" cy="1944216"/>
+          </a:xfrm>
+          <a:prstGeom prst="ellipse">
+            <a:avLst/>
+          </a:prstGeom>
+          <a:solidFill>
+            <a:srgbClr val="432F2E"/>
+          </a:solidFill>
+          <a:ln>
+            <a:noFill/>
+          </a:ln>
+        </p:spPr>
+        <p:style>
+          <a:lnRef idx="2">
+            <a:schemeClr val="accent1">
+              <a:shade val="50000"/>
+            </a:schemeClr>
+          </a:lnRef>
+          <a:fillRef idx="1">
+            <a:schemeClr val="accent1"/>
+          </a:fillRef>
+          <a:effectRef idx="0">
+            <a:schemeClr val="accent1"/>
+          </a:effectRef>
+          <a:fontRef idx="minor">
+            <a:schemeClr val="lt1"/>
+          </a:fontRef>
+        </p:style>
+        <p:txBody>
+          <a:bodyPr rtlCol="0" anchor="ctr"/>
+          <a:lstStyle/>
+          <a:p>
+            <a:pPr algn="ctr"/>
+            <a:r>
+              <a:rPr lang="en-US" altLang="ko-KR" sz="6000" dirty="0"/>
+              <a:t>D</a:t>
+            </a:r>
+            <a:endParaRPr lang="ko-KR" altLang="en-US" sz="6000" dirty="0"/>
+          </a:p>
+        </p:txBody>
+      </p:sp>
+      <p:cxnSp>
+        <p:nvCxnSpPr>
+          <p:cNvPr id="9" name="직선 연결선 8">
+            <a:extLst>
+              <a:ext uri="{FF2B5EF4-FFF2-40B4-BE49-F238E27FC236}">
+                <a16:creationId xmlns:a16="http://schemas.microsoft.com/office/drawing/2014/main" id="{82548DE5-2C70-46ED-ADF5-A4C766B94585}"/>
+              </a:ext>
+            </a:extLst>
+          </p:cNvPr>
+          <p:cNvCxnSpPr>
+            <a:stCxn id="3" idx="3"/>
+            <a:endCxn id="5" idx="7"/>
+          </p:cNvCxnSpPr>
+          <p:nvPr/>
+        </p:nvCxnSpPr>
+        <p:spPr bwMode="auto">
+          <a:xfrm flipH="1">
+            <a:off x="1814851" y="3973274"/>
+            <a:ext cx="1334288" cy="1541556"/>
+          </a:xfrm>
+          <a:prstGeom prst="line">
+            <a:avLst/>
+          </a:prstGeom>
+          <a:solidFill>
+            <a:schemeClr val="accent1"/>
+          </a:solidFill>
+          <a:ln w="88900" cap="flat" cmpd="sng" algn="ctr">
+            <a:solidFill>
+              <a:srgbClr val="0099EE"/>
+            </a:solidFill>
+            <a:prstDash val="solid"/>
+            <a:miter lim="400000"/>
+            <a:headEnd type="none" w="med" len="med"/>
+            <a:tailEnd type="none" w="med" len="med"/>
+          </a:ln>
+          <a:effectLst/>
+          <a:extLst>
+            <a:ext uri="{AF507438-7753-43E0-B8FC-AC1667EBCBE1}">
+              <a14:hiddenEffects xmlns:a14="http://schemas.microsoft.com/office/drawing/2010/main">
+                <a:effectLst>
+                  <a:outerShdw blurRad="63500" dist="38099" dir="2700000" algn="ctr" rotWithShape="0">
+                    <a:schemeClr val="bg2">
+                      <a:alpha val="74998"/>
+                    </a:schemeClr>
+                  </a:outerShdw>
+                </a:effectLst>
+              </a14:hiddenEffects>
+            </a:ext>
+          </a:extLst>
+        </p:spPr>
+      </p:cxnSp>
+      <p:cxnSp>
+        <p:nvCxnSpPr>
+          <p:cNvPr id="10" name="직선 연결선 9">
+            <a:extLst>
+              <a:ext uri="{FF2B5EF4-FFF2-40B4-BE49-F238E27FC236}">
+                <a16:creationId xmlns:a16="http://schemas.microsoft.com/office/drawing/2014/main" id="{2610CA72-B343-42A2-9C82-BC865459531E}"/>
+              </a:ext>
+            </a:extLst>
+          </p:cNvPr>
+          <p:cNvCxnSpPr>
+            <a:stCxn id="7" idx="1"/>
+          </p:cNvCxnSpPr>
+          <p:nvPr/>
+        </p:nvCxnSpPr>
+        <p:spPr bwMode="auto">
+          <a:xfrm flipH="1" flipV="1">
+            <a:off x="1746849" y="6878860"/>
+            <a:ext cx="1393534" cy="1696310"/>
+          </a:xfrm>
+          <a:prstGeom prst="line">
+            <a:avLst/>
+          </a:prstGeom>
+          <a:solidFill>
+            <a:schemeClr val="accent1"/>
+          </a:solidFill>
+          <a:ln w="88900" cap="flat" cmpd="sng" algn="ctr">
+            <a:solidFill>
+              <a:srgbClr val="0099EE"/>
+            </a:solidFill>
+            <a:prstDash val="solid"/>
+            <a:miter lim="400000"/>
+            <a:headEnd type="none" w="med" len="med"/>
+            <a:tailEnd type="none" w="med" len="med"/>
+          </a:ln>
+          <a:effectLst/>
+          <a:extLst>
+            <a:ext uri="{AF507438-7753-43E0-B8FC-AC1667EBCBE1}">
+              <a14:hiddenEffects xmlns:a14="http://schemas.microsoft.com/office/drawing/2010/main">
+                <a:effectLst>
+                  <a:outerShdw blurRad="63500" dist="38099" dir="2700000" algn="ctr" rotWithShape="0">
+                    <a:schemeClr val="bg2">
+                      <a:alpha val="74998"/>
+                    </a:schemeClr>
+                  </a:outerShdw>
+                </a:effectLst>
+              </a14:hiddenEffects>
+            </a:ext>
+          </a:extLst>
+        </p:spPr>
+      </p:cxnSp>
+      <p:cxnSp>
+        <p:nvCxnSpPr>
+          <p:cNvPr id="13" name="직선 연결선 12">
+            <a:extLst>
+              <a:ext uri="{FF2B5EF4-FFF2-40B4-BE49-F238E27FC236}">
+                <a16:creationId xmlns:a16="http://schemas.microsoft.com/office/drawing/2014/main" id="{C461D27C-F1DE-43C4-BA10-0F9B76AF3327}"/>
+              </a:ext>
+            </a:extLst>
+          </p:cNvPr>
+          <p:cNvCxnSpPr>
+            <a:stCxn id="6" idx="1"/>
+          </p:cNvCxnSpPr>
+          <p:nvPr/>
+        </p:nvCxnSpPr>
+        <p:spPr bwMode="auto">
+          <a:xfrm flipH="1" flipV="1">
+            <a:off x="4525075" y="3895897"/>
+            <a:ext cx="1315610" cy="1618933"/>
+          </a:xfrm>
+          <a:prstGeom prst="line">
+            <a:avLst/>
+          </a:prstGeom>
+          <a:solidFill>
+            <a:schemeClr val="accent1"/>
+          </a:solidFill>
+          <a:ln w="88900" cap="flat" cmpd="sng" algn="ctr">
+            <a:solidFill>
+              <a:srgbClr val="0099EE"/>
+            </a:solidFill>
+            <a:prstDash val="solid"/>
+            <a:miter lim="400000"/>
+            <a:headEnd type="none" w="med" len="med"/>
+            <a:tailEnd type="none" w="med" len="med"/>
+          </a:ln>
+          <a:effectLst/>
+          <a:extLst>
+            <a:ext uri="{AF507438-7753-43E0-B8FC-AC1667EBCBE1}">
+              <a14:hiddenEffects xmlns:a14="http://schemas.microsoft.com/office/drawing/2010/main">
+                <a:effectLst>
+                  <a:outerShdw blurRad="63500" dist="38099" dir="2700000" algn="ctr" rotWithShape="0">
+                    <a:schemeClr val="bg2">
+                      <a:alpha val="74998"/>
+                    </a:schemeClr>
+                  </a:outerShdw>
+                </a:effectLst>
+              </a14:hiddenEffects>
+            </a:ext>
+          </a:extLst>
+        </p:spPr>
+      </p:cxnSp>
+      <p:cxnSp>
+        <p:nvCxnSpPr>
+          <p:cNvPr id="14" name="직선 연결선 13">
+            <a:extLst>
+              <a:ext uri="{FF2B5EF4-FFF2-40B4-BE49-F238E27FC236}">
+                <a16:creationId xmlns:a16="http://schemas.microsoft.com/office/drawing/2014/main" id="{241E7E91-B985-43C8-8C22-8B930D455D62}"/>
+              </a:ext>
+            </a:extLst>
+          </p:cNvPr>
+          <p:cNvCxnSpPr/>
+          <p:nvPr/>
+        </p:nvCxnSpPr>
+        <p:spPr bwMode="auto">
+          <a:xfrm flipV="1">
+            <a:off x="4654578" y="7012419"/>
+            <a:ext cx="1348536" cy="1698654"/>
+          </a:xfrm>
+          <a:prstGeom prst="line">
+            <a:avLst/>
+          </a:prstGeom>
+          <a:solidFill>
+            <a:schemeClr val="accent1"/>
+          </a:solidFill>
+          <a:ln w="88900" cap="flat" cmpd="sng" algn="ctr">
+            <a:solidFill>
+              <a:srgbClr val="0099EE"/>
+            </a:solidFill>
+            <a:prstDash val="solid"/>
+            <a:miter lim="400000"/>
+            <a:headEnd type="none" w="med" len="med"/>
+            <a:tailEnd type="none" w="med" len="med"/>
+          </a:ln>
+          <a:effectLst/>
+          <a:extLst>
+            <a:ext uri="{AF507438-7753-43E0-B8FC-AC1667EBCBE1}">
+              <a14:hiddenEffects xmlns:a14="http://schemas.microsoft.com/office/drawing/2010/main">
+                <a:effectLst>
+                  <a:outerShdw blurRad="63500" dist="38099" dir="2700000" algn="ctr" rotWithShape="0">
+                    <a:schemeClr val="bg2">
+                      <a:alpha val="74998"/>
+                    </a:schemeClr>
+                  </a:outerShdw>
+                </a:effectLst>
+              </a14:hiddenEffects>
+            </a:ext>
+          </a:extLst>
+        </p:spPr>
+      </p:cxnSp>
+      <p:cxnSp>
+        <p:nvCxnSpPr>
+          <p:cNvPr id="17" name="직선 연결선 16">
+            <a:extLst>
+              <a:ext uri="{FF2B5EF4-FFF2-40B4-BE49-F238E27FC236}">
+                <a16:creationId xmlns:a16="http://schemas.microsoft.com/office/drawing/2014/main" id="{984A045B-4FBD-473F-94C4-2F3FA609A076}"/>
+              </a:ext>
+            </a:extLst>
+          </p:cNvPr>
+          <p:cNvCxnSpPr>
+            <a:stCxn id="3" idx="4"/>
+            <a:endCxn id="7" idx="0"/>
+          </p:cNvCxnSpPr>
+          <p:nvPr/>
+        </p:nvCxnSpPr>
+        <p:spPr bwMode="auto">
+          <a:xfrm flipH="1">
+            <a:off x="3827767" y="4257998"/>
+            <a:ext cx="8756" cy="4032448"/>
+          </a:xfrm>
+          <a:prstGeom prst="line">
+            <a:avLst/>
+          </a:prstGeom>
+          <a:solidFill>
+            <a:schemeClr val="accent1"/>
+          </a:solidFill>
+          <a:ln w="88900" cap="flat" cmpd="sng" algn="ctr">
+            <a:solidFill>
+              <a:srgbClr val="432F2E"/>
+            </a:solidFill>
+            <a:prstDash val="solid"/>
+            <a:miter lim="400000"/>
+            <a:headEnd type="none" w="med" len="med"/>
+            <a:tailEnd type="none" w="med" len="med"/>
+          </a:ln>
+          <a:effectLst/>
+          <a:extLst>
+            <a:ext uri="{AF507438-7753-43E0-B8FC-AC1667EBCBE1}">
+              <a14:hiddenEffects xmlns:a14="http://schemas.microsoft.com/office/drawing/2010/main">
+                <a:effectLst>
+                  <a:outerShdw blurRad="63500" dist="38099" dir="2700000" algn="ctr" rotWithShape="0">
+                    <a:schemeClr val="bg2">
+                      <a:alpha val="74998"/>
+                    </a:schemeClr>
+                  </a:outerShdw>
+                </a:effectLst>
+              </a14:hiddenEffects>
+            </a:ext>
+          </a:extLst>
+        </p:spPr>
+      </p:cxnSp>
+      <p:cxnSp>
+        <p:nvCxnSpPr>
+          <p:cNvPr id="20" name="직선 연결선 19">
+            <a:extLst>
+              <a:ext uri="{FF2B5EF4-FFF2-40B4-BE49-F238E27FC236}">
+                <a16:creationId xmlns:a16="http://schemas.microsoft.com/office/drawing/2014/main" id="{66740E8C-A733-4E5C-B0A5-D511C97B8887}"/>
+              </a:ext>
+            </a:extLst>
+          </p:cNvPr>
+          <p:cNvCxnSpPr>
+            <a:stCxn id="6" idx="2"/>
+          </p:cNvCxnSpPr>
+          <p:nvPr/>
+        </p:nvCxnSpPr>
+        <p:spPr bwMode="auto">
+          <a:xfrm flipH="1" flipV="1">
+            <a:off x="2067443" y="6178436"/>
+            <a:ext cx="3488518" cy="23778"/>
+          </a:xfrm>
+          <a:prstGeom prst="line">
+            <a:avLst/>
+          </a:prstGeom>
+          <a:solidFill>
+            <a:schemeClr val="accent1"/>
+          </a:solidFill>
+          <a:ln w="88900" cap="flat" cmpd="sng" algn="ctr">
+            <a:solidFill>
+              <a:srgbClr val="432F2E"/>
+            </a:solidFill>
+            <a:prstDash val="solid"/>
+            <a:miter lim="400000"/>
+            <a:headEnd type="none" w="med" len="med"/>
+            <a:tailEnd type="none" w="med" len="med"/>
+          </a:ln>
+          <a:effectLst/>
+          <a:extLst>
+            <a:ext uri="{AF507438-7753-43E0-B8FC-AC1667EBCBE1}">
+              <a14:hiddenEffects xmlns:a14="http://schemas.microsoft.com/office/drawing/2010/main">
+                <a:effectLst>
+                  <a:outerShdw blurRad="63500" dist="38099" dir="2700000" algn="ctr" rotWithShape="0">
+                    <a:schemeClr val="bg2">
+                      <a:alpha val="74998"/>
+                    </a:schemeClr>
+                  </a:outerShdw>
+                </a:effectLst>
+              </a14:hiddenEffects>
+            </a:ext>
+          </a:extLst>
+        </p:spPr>
+      </p:cxnSp>
+      <p:sp>
+        <p:nvSpPr>
+          <p:cNvPr id="22" name="TextBox 21">
+            <a:extLst>
+              <a:ext uri="{FF2B5EF4-FFF2-40B4-BE49-F238E27FC236}">
+                <a16:creationId xmlns:a16="http://schemas.microsoft.com/office/drawing/2014/main" id="{105B0B1F-8FBB-4070-B07C-82A6F2435A16}"/>
+              </a:ext>
+            </a:extLst>
+          </p:cNvPr>
+          <p:cNvSpPr txBox="1"/>
+          <p:nvPr/>
+        </p:nvSpPr>
+        <p:spPr>
+          <a:xfrm flipH="1">
+            <a:off x="2033625" y="4257999"/>
+            <a:ext cx="320594" cy="769441"/>
+          </a:xfrm>
+          <a:prstGeom prst="rect">
+            <a:avLst/>
+          </a:prstGeom>
+          <a:noFill/>
+        </p:spPr>
+        <p:txBody>
+          <a:bodyPr wrap="square" rtlCol="0">
+            <a:spAutoFit/>
+          </a:bodyPr>
+          <a:lstStyle/>
+          <a:p>
+            <a:r>
+              <a:rPr lang="en-US" altLang="ko-KR" sz="4400" dirty="0"/>
+              <a:t>5</a:t>
+            </a:r>
+            <a:endParaRPr lang="ko-KR" altLang="en-US" sz="4400" dirty="0"/>
+          </a:p>
+        </p:txBody>
+      </p:sp>
+      <p:sp>
+        <p:nvSpPr>
+          <p:cNvPr id="23" name="TextBox 22">
+            <a:extLst>
+              <a:ext uri="{FF2B5EF4-FFF2-40B4-BE49-F238E27FC236}">
+                <a16:creationId xmlns:a16="http://schemas.microsoft.com/office/drawing/2014/main" id="{5C0E3624-6ABA-4D5E-98EB-1078F412DBD4}"/>
+              </a:ext>
+            </a:extLst>
+          </p:cNvPr>
+          <p:cNvSpPr txBox="1"/>
+          <p:nvPr/>
+        </p:nvSpPr>
+        <p:spPr>
+          <a:xfrm flipH="1">
+            <a:off x="3808763" y="4692472"/>
+            <a:ext cx="869005" cy="769441"/>
+          </a:xfrm>
+          <a:prstGeom prst="rect">
+            <a:avLst/>
+          </a:prstGeom>
+          <a:noFill/>
+        </p:spPr>
+        <p:txBody>
+          <a:bodyPr wrap="square" rtlCol="0">
+            <a:spAutoFit/>
+          </a:bodyPr>
+          <a:lstStyle/>
+          <a:p>
+            <a:r>
+              <a:rPr lang="en-US" altLang="ko-KR" sz="4400" dirty="0"/>
+              <a:t>10</a:t>
+            </a:r>
+          </a:p>
+        </p:txBody>
+      </p:sp>
+      <p:sp>
+        <p:nvSpPr>
+          <p:cNvPr id="24" name="TextBox 23">
+            <a:extLst>
+              <a:ext uri="{FF2B5EF4-FFF2-40B4-BE49-F238E27FC236}">
+                <a16:creationId xmlns:a16="http://schemas.microsoft.com/office/drawing/2014/main" id="{B9A0C7DE-ADCE-4721-B5DF-F9F93B372BBA}"/>
+              </a:ext>
+            </a:extLst>
+          </p:cNvPr>
+          <p:cNvSpPr txBox="1"/>
+          <p:nvPr/>
+        </p:nvSpPr>
+        <p:spPr>
+          <a:xfrm flipH="1">
+            <a:off x="5111840" y="6202214"/>
+            <a:ext cx="869005" cy="769441"/>
+          </a:xfrm>
+          <a:prstGeom prst="rect">
+            <a:avLst/>
+          </a:prstGeom>
+          <a:noFill/>
+        </p:spPr>
+        <p:txBody>
+          <a:bodyPr wrap="square" rtlCol="0">
+            <a:spAutoFit/>
+          </a:bodyPr>
+          <a:lstStyle/>
+          <a:p>
+            <a:r>
+              <a:rPr lang="en-US" altLang="ko-KR" sz="4400" dirty="0"/>
+              <a:t>8</a:t>
+            </a:r>
+          </a:p>
+        </p:txBody>
+      </p:sp>
+      <p:sp>
+        <p:nvSpPr>
+          <p:cNvPr id="25" name="TextBox 24">
+            <a:extLst>
+              <a:ext uri="{FF2B5EF4-FFF2-40B4-BE49-F238E27FC236}">
+                <a16:creationId xmlns:a16="http://schemas.microsoft.com/office/drawing/2014/main" id="{62FA671E-2659-4EF1-B3E5-AD7F55363DE9}"/>
+              </a:ext>
+            </a:extLst>
+          </p:cNvPr>
+          <p:cNvSpPr txBox="1"/>
+          <p:nvPr/>
+        </p:nvSpPr>
+        <p:spPr>
+          <a:xfrm flipH="1">
+            <a:off x="5292734" y="4161209"/>
+            <a:ext cx="869005" cy="769441"/>
+          </a:xfrm>
+          <a:prstGeom prst="rect">
+            <a:avLst/>
+          </a:prstGeom>
+          <a:noFill/>
+        </p:spPr>
+        <p:txBody>
+          <a:bodyPr wrap="square" rtlCol="0">
+            <a:spAutoFit/>
+          </a:bodyPr>
+          <a:lstStyle/>
+          <a:p>
+            <a:r>
+              <a:rPr lang="en-US" altLang="ko-KR" sz="4400" dirty="0"/>
+              <a:t>15</a:t>
+            </a:r>
+          </a:p>
+        </p:txBody>
+      </p:sp>
+      <p:sp>
+        <p:nvSpPr>
+          <p:cNvPr id="26" name="TextBox 25">
+            <a:extLst>
+              <a:ext uri="{FF2B5EF4-FFF2-40B4-BE49-F238E27FC236}">
+                <a16:creationId xmlns:a16="http://schemas.microsoft.com/office/drawing/2014/main" id="{0FEA1B55-7AE1-40A3-85BC-CA386A9D0AD3}"/>
+              </a:ext>
+            </a:extLst>
+          </p:cNvPr>
+          <p:cNvSpPr txBox="1"/>
+          <p:nvPr/>
+        </p:nvSpPr>
+        <p:spPr>
+          <a:xfrm flipH="1">
+            <a:off x="1709324" y="7566244"/>
+            <a:ext cx="869005" cy="769441"/>
+          </a:xfrm>
+          <a:prstGeom prst="rect">
+            <a:avLst/>
+          </a:prstGeom>
+          <a:noFill/>
+        </p:spPr>
+        <p:txBody>
+          <a:bodyPr wrap="square" rtlCol="0">
+            <a:spAutoFit/>
+          </a:bodyPr>
+          <a:lstStyle/>
+          <a:p>
+            <a:r>
+              <a:rPr lang="en-US" altLang="ko-KR" sz="4400" dirty="0"/>
+              <a:t>7</a:t>
+            </a:r>
+          </a:p>
+        </p:txBody>
+      </p:sp>
+      <p:sp>
+        <p:nvSpPr>
+          <p:cNvPr id="27" name="TextBox 26">
+            <a:extLst>
+              <a:ext uri="{FF2B5EF4-FFF2-40B4-BE49-F238E27FC236}">
+                <a16:creationId xmlns:a16="http://schemas.microsoft.com/office/drawing/2014/main" id="{861CA85B-DD32-4270-8592-091C16AB4AB2}"/>
+              </a:ext>
+            </a:extLst>
+          </p:cNvPr>
+          <p:cNvSpPr txBox="1"/>
+          <p:nvPr/>
+        </p:nvSpPr>
+        <p:spPr>
+          <a:xfrm flipH="1">
+            <a:off x="5484106" y="7399608"/>
+            <a:ext cx="869005" cy="769441"/>
+          </a:xfrm>
+          <a:prstGeom prst="rect">
+            <a:avLst/>
+          </a:prstGeom>
+          <a:noFill/>
+        </p:spPr>
+        <p:txBody>
+          <a:bodyPr wrap="square" rtlCol="0">
+            <a:spAutoFit/>
+          </a:bodyPr>
+          <a:lstStyle/>
+          <a:p>
+            <a:r>
+              <a:rPr lang="en-US" altLang="ko-KR" sz="4400" dirty="0"/>
+              <a:t>6</a:t>
+            </a:r>
+          </a:p>
+        </p:txBody>
+      </p:sp>
+      <p:cxnSp>
+        <p:nvCxnSpPr>
+          <p:cNvPr id="29" name="직선 화살표 연결선 28">
+            <a:extLst>
+              <a:ext uri="{FF2B5EF4-FFF2-40B4-BE49-F238E27FC236}">
+                <a16:creationId xmlns:a16="http://schemas.microsoft.com/office/drawing/2014/main" id="{C949391B-D6C4-4431-ABCF-020855797AC1}"/>
+              </a:ext>
+            </a:extLst>
+          </p:cNvPr>
+          <p:cNvCxnSpPr/>
+          <p:nvPr/>
+        </p:nvCxnSpPr>
+        <p:spPr bwMode="auto">
+          <a:xfrm>
+            <a:off x="3800007" y="1354757"/>
+            <a:ext cx="8756" cy="1038747"/>
+          </a:xfrm>
+          <a:prstGeom prst="straightConnector1">
+            <a:avLst/>
+          </a:prstGeom>
+          <a:solidFill>
+            <a:schemeClr val="accent1"/>
+          </a:solidFill>
+          <a:ln w="73025" cap="flat" cmpd="sng" algn="ctr">
+            <a:solidFill>
+              <a:srgbClr val="FF0000"/>
+            </a:solidFill>
+            <a:prstDash val="solid"/>
+            <a:miter lim="400000"/>
+            <a:headEnd type="none" w="med" len="med"/>
+            <a:tailEnd type="triangle"/>
+          </a:ln>
+          <a:effectLst/>
+          <a:extLst>
+            <a:ext uri="{AF507438-7753-43E0-B8FC-AC1667EBCBE1}">
+              <a14:hiddenEffects xmlns:a14="http://schemas.microsoft.com/office/drawing/2010/main">
+                <a:effectLst>
+                  <a:outerShdw blurRad="63500" dist="38099" dir="2700000" algn="ctr" rotWithShape="0">
+                    <a:schemeClr val="bg2">
+                      <a:alpha val="74998"/>
+                    </a:schemeClr>
+                  </a:outerShdw>
+                </a:effectLst>
+              </a14:hiddenEffects>
+            </a:ext>
+          </a:extLst>
+        </p:spPr>
+      </p:cxnSp>
+      <p:sp>
+        <p:nvSpPr>
+          <p:cNvPr id="31" name="직사각형 30">
+            <a:extLst>
+              <a:ext uri="{FF2B5EF4-FFF2-40B4-BE49-F238E27FC236}">
+                <a16:creationId xmlns:a16="http://schemas.microsoft.com/office/drawing/2014/main" id="{A5D93F5B-39C6-4441-8D40-DC44DAD42EF9}"/>
+              </a:ext>
+            </a:extLst>
+          </p:cNvPr>
+          <p:cNvSpPr/>
+          <p:nvPr/>
+        </p:nvSpPr>
+        <p:spPr>
+          <a:xfrm>
+            <a:off x="3249154" y="770224"/>
+            <a:ext cx="1119217" cy="584775"/>
+          </a:xfrm>
+          <a:prstGeom prst="rect">
+            <a:avLst/>
+          </a:prstGeom>
+        </p:spPr>
+        <p:txBody>
+          <a:bodyPr wrap="none">
+            <a:spAutoFit/>
+          </a:bodyPr>
+          <a:lstStyle/>
+          <a:p>
+            <a:pPr algn="ctr"/>
+            <a:r>
+              <a:rPr lang="en-US" altLang="ko-KR" sz="3200" dirty="0"/>
+              <a:t>Start</a:t>
+            </a:r>
+            <a:endParaRPr lang="ko-KR" altLang="en-US" sz="3200" dirty="0"/>
+          </a:p>
+        </p:txBody>
+      </p:sp>
+      <p:sp>
+        <p:nvSpPr>
+          <p:cNvPr id="36" name="타원 35">
+            <a:extLst>
+              <a:ext uri="{FF2B5EF4-FFF2-40B4-BE49-F238E27FC236}">
+                <a16:creationId xmlns:a16="http://schemas.microsoft.com/office/drawing/2014/main" id="{4AD6C87B-38CD-43E9-B182-0C0C1BDE6195}"/>
+              </a:ext>
+            </a:extLst>
+          </p:cNvPr>
+          <p:cNvSpPr>
+            <a:spLocks noChangeAspect="1"/>
+          </p:cNvSpPr>
+          <p:nvPr/>
+        </p:nvSpPr>
+        <p:spPr>
+          <a:xfrm>
+            <a:off x="11084189" y="2313782"/>
+            <a:ext cx="1944216" cy="1944216"/>
+          </a:xfrm>
+          <a:prstGeom prst="ellipse">
+            <a:avLst/>
+          </a:prstGeom>
+          <a:solidFill>
+            <a:srgbClr val="432F2E"/>
+          </a:solidFill>
+          <a:ln>
+            <a:noFill/>
+          </a:ln>
+        </p:spPr>
+        <p:style>
+          <a:lnRef idx="2">
+            <a:schemeClr val="accent1">
+              <a:shade val="50000"/>
+            </a:schemeClr>
+          </a:lnRef>
+          <a:fillRef idx="1">
+            <a:schemeClr val="accent1"/>
+          </a:fillRef>
+          <a:effectRef idx="0">
+            <a:schemeClr val="accent1"/>
+          </a:effectRef>
+          <a:fontRef idx="minor">
+            <a:schemeClr val="lt1"/>
+          </a:fontRef>
+        </p:style>
+        <p:txBody>
+          <a:bodyPr rtlCol="0" anchor="ctr"/>
+          <a:lstStyle/>
+          <a:p>
+            <a:pPr algn="ctr"/>
+            <a:r>
+              <a:rPr lang="en-US" altLang="ko-KR" sz="6000" dirty="0"/>
+              <a:t>A</a:t>
+            </a:r>
+            <a:endParaRPr lang="ko-KR" altLang="en-US" sz="6000" dirty="0"/>
+          </a:p>
+        </p:txBody>
+      </p:sp>
+      <p:sp>
+        <p:nvSpPr>
+          <p:cNvPr id="37" name="타원 36">
+            <a:extLst>
+              <a:ext uri="{FF2B5EF4-FFF2-40B4-BE49-F238E27FC236}">
+                <a16:creationId xmlns:a16="http://schemas.microsoft.com/office/drawing/2014/main" id="{DC59EB20-D125-4782-9328-B5F7663A72EF}"/>
+              </a:ext>
+            </a:extLst>
+          </p:cNvPr>
+          <p:cNvSpPr>
+            <a:spLocks noChangeAspect="1"/>
+          </p:cNvSpPr>
+          <p:nvPr/>
+        </p:nvSpPr>
+        <p:spPr>
+          <a:xfrm>
+            <a:off x="8375133" y="5230106"/>
+            <a:ext cx="1944216" cy="1944216"/>
+          </a:xfrm>
+          <a:prstGeom prst="ellipse">
+            <a:avLst/>
+          </a:prstGeom>
+          <a:solidFill>
+            <a:srgbClr val="432F2E"/>
+          </a:solidFill>
+          <a:ln>
+            <a:noFill/>
+          </a:ln>
+        </p:spPr>
+        <p:style>
+          <a:lnRef idx="2">
+            <a:schemeClr val="accent1">
+              <a:shade val="50000"/>
+            </a:schemeClr>
+          </a:lnRef>
+          <a:fillRef idx="1">
+            <a:schemeClr val="accent1"/>
+          </a:fillRef>
+          <a:effectRef idx="0">
+            <a:schemeClr val="accent1"/>
+          </a:effectRef>
+          <a:fontRef idx="minor">
+            <a:schemeClr val="lt1"/>
+          </a:fontRef>
+        </p:style>
+        <p:txBody>
+          <a:bodyPr rtlCol="0" anchor="ctr"/>
+          <a:lstStyle/>
+          <a:p>
+            <a:pPr algn="ctr"/>
+            <a:r>
+              <a:rPr lang="en-US" altLang="ko-KR" sz="6000" dirty="0"/>
+              <a:t>B</a:t>
+            </a:r>
+            <a:endParaRPr lang="ko-KR" altLang="en-US" sz="6000" dirty="0"/>
+          </a:p>
+        </p:txBody>
+      </p:sp>
+      <p:sp>
+        <p:nvSpPr>
+          <p:cNvPr id="38" name="타원 37">
+            <a:extLst>
+              <a:ext uri="{FF2B5EF4-FFF2-40B4-BE49-F238E27FC236}">
+                <a16:creationId xmlns:a16="http://schemas.microsoft.com/office/drawing/2014/main" id="{445B695F-A463-44E5-9017-1E26D0C51AD1}"/>
+              </a:ext>
+            </a:extLst>
+          </p:cNvPr>
+          <p:cNvSpPr>
+            <a:spLocks noChangeAspect="1"/>
+          </p:cNvSpPr>
+          <p:nvPr/>
+        </p:nvSpPr>
+        <p:spPr>
+          <a:xfrm>
+            <a:off x="13775735" y="5230106"/>
+            <a:ext cx="1944216" cy="1944216"/>
+          </a:xfrm>
+          <a:prstGeom prst="ellipse">
+            <a:avLst/>
+          </a:prstGeom>
+          <a:solidFill>
+            <a:srgbClr val="432F2E"/>
+          </a:solidFill>
+          <a:ln>
+            <a:noFill/>
+          </a:ln>
+        </p:spPr>
+        <p:style>
+          <a:lnRef idx="2">
+            <a:schemeClr val="accent1">
+              <a:shade val="50000"/>
+            </a:schemeClr>
+          </a:lnRef>
+          <a:fillRef idx="1">
+            <a:schemeClr val="accent1"/>
+          </a:fillRef>
+          <a:effectRef idx="0">
+            <a:schemeClr val="accent1"/>
+          </a:effectRef>
+          <a:fontRef idx="minor">
+            <a:schemeClr val="lt1"/>
+          </a:fontRef>
+        </p:style>
+        <p:txBody>
+          <a:bodyPr rtlCol="0" anchor="ctr"/>
+          <a:lstStyle/>
+          <a:p>
+            <a:pPr algn="ctr"/>
+            <a:r>
+              <a:rPr lang="en-US" altLang="ko-KR" sz="6000" dirty="0"/>
+              <a:t>C</a:t>
+            </a:r>
+            <a:endParaRPr lang="ko-KR" altLang="en-US" sz="6000" dirty="0"/>
+          </a:p>
+        </p:txBody>
+      </p:sp>
+      <p:sp>
+        <p:nvSpPr>
+          <p:cNvPr id="39" name="타원 38">
+            <a:extLst>
+              <a:ext uri="{FF2B5EF4-FFF2-40B4-BE49-F238E27FC236}">
+                <a16:creationId xmlns:a16="http://schemas.microsoft.com/office/drawing/2014/main" id="{AAB5EA9B-0518-4305-AA69-6F6C53BE5616}"/>
+              </a:ext>
+            </a:extLst>
+          </p:cNvPr>
+          <p:cNvSpPr>
+            <a:spLocks noChangeAspect="1"/>
+          </p:cNvSpPr>
+          <p:nvPr/>
+        </p:nvSpPr>
+        <p:spPr>
+          <a:xfrm>
+            <a:off x="11075433" y="8290446"/>
+            <a:ext cx="1944216" cy="1944216"/>
+          </a:xfrm>
+          <a:prstGeom prst="ellipse">
+            <a:avLst/>
+          </a:prstGeom>
+          <a:solidFill>
+            <a:srgbClr val="432F2E"/>
+          </a:solidFill>
+          <a:ln>
+            <a:noFill/>
+          </a:ln>
+        </p:spPr>
+        <p:style>
+          <a:lnRef idx="2">
+            <a:schemeClr val="accent1">
+              <a:shade val="50000"/>
+            </a:schemeClr>
+          </a:lnRef>
+          <a:fillRef idx="1">
+            <a:schemeClr val="accent1"/>
+          </a:fillRef>
+          <a:effectRef idx="0">
+            <a:schemeClr val="accent1"/>
+          </a:effectRef>
+          <a:fontRef idx="minor">
+            <a:schemeClr val="lt1"/>
+          </a:fontRef>
+        </p:style>
+        <p:txBody>
+          <a:bodyPr rtlCol="0" anchor="ctr"/>
+          <a:lstStyle/>
+          <a:p>
+            <a:pPr algn="ctr"/>
+            <a:r>
+              <a:rPr lang="en-US" altLang="ko-KR" sz="6000" dirty="0"/>
+              <a:t>D</a:t>
+            </a:r>
+            <a:endParaRPr lang="ko-KR" altLang="en-US" sz="6000" dirty="0"/>
+          </a:p>
+        </p:txBody>
+      </p:sp>
+      <p:cxnSp>
+        <p:nvCxnSpPr>
+          <p:cNvPr id="40" name="직선 연결선 39">
+            <a:extLst>
+              <a:ext uri="{FF2B5EF4-FFF2-40B4-BE49-F238E27FC236}">
+                <a16:creationId xmlns:a16="http://schemas.microsoft.com/office/drawing/2014/main" id="{76E047E5-6807-44C1-A323-2F6D0F431E4D}"/>
+              </a:ext>
+            </a:extLst>
+          </p:cNvPr>
+          <p:cNvCxnSpPr>
+            <a:stCxn id="36" idx="3"/>
+            <a:endCxn id="37" idx="7"/>
+          </p:cNvCxnSpPr>
+          <p:nvPr/>
+        </p:nvCxnSpPr>
+        <p:spPr bwMode="auto">
+          <a:xfrm flipH="1">
+            <a:off x="10034625" y="3973274"/>
+            <a:ext cx="1334288" cy="1541556"/>
+          </a:xfrm>
+          <a:prstGeom prst="line">
+            <a:avLst/>
+          </a:prstGeom>
+          <a:solidFill>
+            <a:schemeClr val="accent1"/>
+          </a:solidFill>
+          <a:ln w="88900" cap="flat" cmpd="sng" algn="ctr">
+            <a:solidFill>
+              <a:srgbClr val="432F2E"/>
+            </a:solidFill>
+            <a:prstDash val="solid"/>
+            <a:miter lim="400000"/>
+            <a:headEnd type="none" w="med" len="med"/>
+            <a:tailEnd type="none" w="med" len="med"/>
+          </a:ln>
+          <a:effectLst/>
+          <a:extLst>
+            <a:ext uri="{AF507438-7753-43E0-B8FC-AC1667EBCBE1}">
+              <a14:hiddenEffects xmlns:a14="http://schemas.microsoft.com/office/drawing/2010/main">
+                <a:effectLst>
+                  <a:outerShdw blurRad="63500" dist="38099" dir="2700000" algn="ctr" rotWithShape="0">
+                    <a:schemeClr val="bg2">
+                      <a:alpha val="74998"/>
+                    </a:schemeClr>
+                  </a:outerShdw>
+                </a:effectLst>
+              </a14:hiddenEffects>
+            </a:ext>
+          </a:extLst>
+        </p:spPr>
+      </p:cxnSp>
+      <p:cxnSp>
+        <p:nvCxnSpPr>
+          <p:cNvPr id="41" name="직선 연결선 40">
+            <a:extLst>
+              <a:ext uri="{FF2B5EF4-FFF2-40B4-BE49-F238E27FC236}">
+                <a16:creationId xmlns:a16="http://schemas.microsoft.com/office/drawing/2014/main" id="{9B794C7F-D5C2-4C00-9C52-5103E3FE3DC1}"/>
+              </a:ext>
+            </a:extLst>
+          </p:cNvPr>
+          <p:cNvCxnSpPr>
+            <a:stCxn id="39" idx="1"/>
+          </p:cNvCxnSpPr>
+          <p:nvPr/>
+        </p:nvCxnSpPr>
+        <p:spPr bwMode="auto">
+          <a:xfrm flipH="1" flipV="1">
+            <a:off x="9966623" y="6878860"/>
+            <a:ext cx="1393534" cy="1696310"/>
+          </a:xfrm>
+          <a:prstGeom prst="line">
+            <a:avLst/>
+          </a:prstGeom>
+          <a:solidFill>
+            <a:schemeClr val="accent1"/>
+          </a:solidFill>
+          <a:ln w="88900" cap="flat" cmpd="sng" algn="ctr">
+            <a:solidFill>
+              <a:srgbClr val="432F2E"/>
+            </a:solidFill>
+            <a:prstDash val="solid"/>
+            <a:miter lim="400000"/>
+            <a:headEnd type="none" w="med" len="med"/>
+            <a:tailEnd type="none" w="med" len="med"/>
+          </a:ln>
+          <a:effectLst/>
+          <a:extLst>
+            <a:ext uri="{AF507438-7753-43E0-B8FC-AC1667EBCBE1}">
+              <a14:hiddenEffects xmlns:a14="http://schemas.microsoft.com/office/drawing/2010/main">
+                <a:effectLst>
+                  <a:outerShdw blurRad="63500" dist="38099" dir="2700000" algn="ctr" rotWithShape="0">
+                    <a:schemeClr val="bg2">
+                      <a:alpha val="74998"/>
+                    </a:schemeClr>
+                  </a:outerShdw>
+                </a:effectLst>
+              </a14:hiddenEffects>
+            </a:ext>
+          </a:extLst>
+        </p:spPr>
+      </p:cxnSp>
+      <p:cxnSp>
+        <p:nvCxnSpPr>
+          <p:cNvPr id="42" name="직선 연결선 41">
+            <a:extLst>
+              <a:ext uri="{FF2B5EF4-FFF2-40B4-BE49-F238E27FC236}">
+                <a16:creationId xmlns:a16="http://schemas.microsoft.com/office/drawing/2014/main" id="{F45CB208-C0CB-43E0-B6CF-08889FD47E86}"/>
+              </a:ext>
+            </a:extLst>
+          </p:cNvPr>
+          <p:cNvCxnSpPr/>
+          <p:nvPr/>
+        </p:nvCxnSpPr>
+        <p:spPr bwMode="auto">
+          <a:xfrm flipH="1" flipV="1">
+            <a:off x="12744849" y="3895897"/>
+            <a:ext cx="1393534" cy="1696310"/>
+          </a:xfrm>
+          <a:prstGeom prst="line">
+            <a:avLst/>
+          </a:prstGeom>
+          <a:solidFill>
+            <a:schemeClr val="accent1"/>
+          </a:solidFill>
+          <a:ln w="88900" cap="flat" cmpd="sng" algn="ctr">
+            <a:solidFill>
+              <a:srgbClr val="432F2E"/>
+            </a:solidFill>
+            <a:prstDash val="solid"/>
+            <a:miter lim="400000"/>
+            <a:headEnd type="none" w="med" len="med"/>
+            <a:tailEnd type="none" w="med" len="med"/>
+          </a:ln>
+          <a:effectLst/>
+          <a:extLst>
+            <a:ext uri="{AF507438-7753-43E0-B8FC-AC1667EBCBE1}">
+              <a14:hiddenEffects xmlns:a14="http://schemas.microsoft.com/office/drawing/2010/main">
+                <a:effectLst>
+                  <a:outerShdw blurRad="63500" dist="38099" dir="2700000" algn="ctr" rotWithShape="0">
+                    <a:schemeClr val="bg2">
+                      <a:alpha val="74998"/>
+                    </a:schemeClr>
+                  </a:outerShdw>
+                </a:effectLst>
+              </a14:hiddenEffects>
+            </a:ext>
+          </a:extLst>
+        </p:spPr>
+      </p:cxnSp>
+      <p:cxnSp>
+        <p:nvCxnSpPr>
+          <p:cNvPr id="43" name="직선 연결선 42">
+            <a:extLst>
+              <a:ext uri="{FF2B5EF4-FFF2-40B4-BE49-F238E27FC236}">
+                <a16:creationId xmlns:a16="http://schemas.microsoft.com/office/drawing/2014/main" id="{DA5206EE-427A-4197-A55A-BBCCC39BF8B1}"/>
+              </a:ext>
+            </a:extLst>
+          </p:cNvPr>
+          <p:cNvCxnSpPr/>
+          <p:nvPr/>
+        </p:nvCxnSpPr>
+        <p:spPr bwMode="auto">
+          <a:xfrm flipV="1">
+            <a:off x="12705304" y="6956237"/>
+            <a:ext cx="1574485" cy="1909037"/>
+          </a:xfrm>
+          <a:prstGeom prst="line">
+            <a:avLst/>
+          </a:prstGeom>
+          <a:solidFill>
+            <a:schemeClr val="accent1"/>
+          </a:solidFill>
+          <a:ln w="88900" cap="flat" cmpd="sng" algn="ctr">
+            <a:solidFill>
+              <a:srgbClr val="432F2E"/>
+            </a:solidFill>
+            <a:prstDash val="solid"/>
+            <a:miter lim="400000"/>
+            <a:headEnd type="none" w="med" len="med"/>
+            <a:tailEnd type="none" w="med" len="med"/>
+          </a:ln>
+          <a:effectLst/>
+          <a:extLst>
+            <a:ext uri="{AF507438-7753-43E0-B8FC-AC1667EBCBE1}">
+              <a14:hiddenEffects xmlns:a14="http://schemas.microsoft.com/office/drawing/2010/main">
+                <a:effectLst>
+                  <a:outerShdw blurRad="63500" dist="38099" dir="2700000" algn="ctr" rotWithShape="0">
+                    <a:schemeClr val="bg2">
+                      <a:alpha val="74998"/>
+                    </a:schemeClr>
+                  </a:outerShdw>
+                </a:effectLst>
+              </a14:hiddenEffects>
+            </a:ext>
+          </a:extLst>
+        </p:spPr>
+      </p:cxnSp>
+      <p:cxnSp>
+        <p:nvCxnSpPr>
+          <p:cNvPr id="44" name="직선 연결선 43">
+            <a:extLst>
+              <a:ext uri="{FF2B5EF4-FFF2-40B4-BE49-F238E27FC236}">
+                <a16:creationId xmlns:a16="http://schemas.microsoft.com/office/drawing/2014/main" id="{53067FFC-B11D-4B8F-85CE-FF232A59B66C}"/>
+              </a:ext>
+            </a:extLst>
+          </p:cNvPr>
+          <p:cNvCxnSpPr>
+            <a:stCxn id="36" idx="4"/>
+            <a:endCxn id="39" idx="0"/>
+          </p:cNvCxnSpPr>
+          <p:nvPr/>
+        </p:nvCxnSpPr>
+        <p:spPr bwMode="auto">
+          <a:xfrm flipH="1">
+            <a:off x="12047541" y="4257998"/>
+            <a:ext cx="8756" cy="4032448"/>
+          </a:xfrm>
+          <a:prstGeom prst="line">
+            <a:avLst/>
+          </a:prstGeom>
+          <a:solidFill>
+            <a:schemeClr val="accent1"/>
+          </a:solidFill>
+          <a:ln w="88900" cap="flat" cmpd="sng" algn="ctr">
+            <a:solidFill>
+              <a:srgbClr val="432F2E"/>
+            </a:solidFill>
+            <a:prstDash val="solid"/>
+            <a:miter lim="400000"/>
+            <a:headEnd type="none" w="med" len="med"/>
+            <a:tailEnd type="none" w="med" len="med"/>
+          </a:ln>
+          <a:effectLst/>
+          <a:extLst>
+            <a:ext uri="{AF507438-7753-43E0-B8FC-AC1667EBCBE1}">
+              <a14:hiddenEffects xmlns:a14="http://schemas.microsoft.com/office/drawing/2010/main">
+                <a:effectLst>
+                  <a:outerShdw blurRad="63500" dist="38099" dir="2700000" algn="ctr" rotWithShape="0">
+                    <a:schemeClr val="bg2">
+                      <a:alpha val="74998"/>
+                    </a:schemeClr>
+                  </a:outerShdw>
+                </a:effectLst>
+              </a14:hiddenEffects>
+            </a:ext>
+          </a:extLst>
+        </p:spPr>
+      </p:cxnSp>
+      <p:cxnSp>
+        <p:nvCxnSpPr>
+          <p:cNvPr id="45" name="직선 연결선 44">
+            <a:extLst>
+              <a:ext uri="{FF2B5EF4-FFF2-40B4-BE49-F238E27FC236}">
+                <a16:creationId xmlns:a16="http://schemas.microsoft.com/office/drawing/2014/main" id="{B8303484-0FB2-4518-BE65-C6437D5F46E3}"/>
+              </a:ext>
+            </a:extLst>
+          </p:cNvPr>
+          <p:cNvCxnSpPr>
+            <a:stCxn id="38" idx="2"/>
+          </p:cNvCxnSpPr>
+          <p:nvPr/>
+        </p:nvCxnSpPr>
+        <p:spPr bwMode="auto">
+          <a:xfrm flipH="1" flipV="1">
+            <a:off x="10287217" y="6178436"/>
+            <a:ext cx="3488518" cy="23778"/>
+          </a:xfrm>
+          <a:prstGeom prst="line">
+            <a:avLst/>
+          </a:prstGeom>
+          <a:solidFill>
+            <a:schemeClr val="accent1"/>
+          </a:solidFill>
+          <a:ln w="88900" cap="flat" cmpd="sng" algn="ctr">
+            <a:solidFill>
+              <a:srgbClr val="432F2E"/>
+            </a:solidFill>
+            <a:prstDash val="solid"/>
+            <a:miter lim="400000"/>
+            <a:headEnd type="none" w="med" len="med"/>
+            <a:tailEnd type="none" w="med" len="med"/>
+          </a:ln>
+          <a:effectLst/>
+          <a:extLst>
+            <a:ext uri="{AF507438-7753-43E0-B8FC-AC1667EBCBE1}">
+              <a14:hiddenEffects xmlns:a14="http://schemas.microsoft.com/office/drawing/2010/main">
+                <a:effectLst>
+                  <a:outerShdw blurRad="63500" dist="38099" dir="2700000" algn="ctr" rotWithShape="0">
+                    <a:schemeClr val="bg2">
+                      <a:alpha val="74998"/>
+                    </a:schemeClr>
+                  </a:outerShdw>
+                </a:effectLst>
+              </a14:hiddenEffects>
+            </a:ext>
+          </a:extLst>
+        </p:spPr>
+      </p:cxnSp>
+      <p:sp>
+        <p:nvSpPr>
+          <p:cNvPr id="46" name="TextBox 45">
+            <a:extLst>
+              <a:ext uri="{FF2B5EF4-FFF2-40B4-BE49-F238E27FC236}">
+                <a16:creationId xmlns:a16="http://schemas.microsoft.com/office/drawing/2014/main" id="{F31805C3-B53B-447C-8298-A5BFF232625E}"/>
+              </a:ext>
+            </a:extLst>
+          </p:cNvPr>
+          <p:cNvSpPr txBox="1"/>
+          <p:nvPr/>
+        </p:nvSpPr>
+        <p:spPr>
+          <a:xfrm flipH="1">
+            <a:off x="10253399" y="4257999"/>
+            <a:ext cx="320594" cy="769441"/>
+          </a:xfrm>
+          <a:prstGeom prst="rect">
+            <a:avLst/>
+          </a:prstGeom>
+          <a:noFill/>
+        </p:spPr>
+        <p:txBody>
+          <a:bodyPr wrap="square" rtlCol="0">
+            <a:spAutoFit/>
+          </a:bodyPr>
+          <a:lstStyle/>
+          <a:p>
+            <a:r>
+              <a:rPr lang="en-US" altLang="ko-KR" sz="4400" dirty="0"/>
+              <a:t>5</a:t>
+            </a:r>
+            <a:endParaRPr lang="ko-KR" altLang="en-US" sz="4400" dirty="0"/>
+          </a:p>
+        </p:txBody>
+      </p:sp>
+      <p:sp>
+        <p:nvSpPr>
+          <p:cNvPr id="47" name="TextBox 46">
+            <a:extLst>
+              <a:ext uri="{FF2B5EF4-FFF2-40B4-BE49-F238E27FC236}">
+                <a16:creationId xmlns:a16="http://schemas.microsoft.com/office/drawing/2014/main" id="{4BA4BC0A-592D-419E-8089-5F32301D26CB}"/>
+              </a:ext>
+            </a:extLst>
+          </p:cNvPr>
+          <p:cNvSpPr txBox="1"/>
+          <p:nvPr/>
+        </p:nvSpPr>
+        <p:spPr>
+          <a:xfrm flipH="1">
+            <a:off x="12028537" y="4692472"/>
+            <a:ext cx="869005" cy="769441"/>
+          </a:xfrm>
+          <a:prstGeom prst="rect">
+            <a:avLst/>
+          </a:prstGeom>
+          <a:noFill/>
+        </p:spPr>
+        <p:txBody>
+          <a:bodyPr wrap="square" rtlCol="0">
+            <a:spAutoFit/>
+          </a:bodyPr>
+          <a:lstStyle/>
+          <a:p>
+            <a:r>
+              <a:rPr lang="en-US" altLang="ko-KR" sz="4400" dirty="0"/>
+              <a:t>10</a:t>
+            </a:r>
+          </a:p>
+        </p:txBody>
+      </p:sp>
+      <p:sp>
+        <p:nvSpPr>
+          <p:cNvPr id="48" name="TextBox 47">
+            <a:extLst>
+              <a:ext uri="{FF2B5EF4-FFF2-40B4-BE49-F238E27FC236}">
+                <a16:creationId xmlns:a16="http://schemas.microsoft.com/office/drawing/2014/main" id="{CA255FBA-87CF-41BD-AF41-F55F0B388B57}"/>
+              </a:ext>
+            </a:extLst>
+          </p:cNvPr>
+          <p:cNvSpPr txBox="1"/>
+          <p:nvPr/>
+        </p:nvSpPr>
+        <p:spPr>
+          <a:xfrm flipH="1">
+            <a:off x="13331614" y="6202214"/>
+            <a:ext cx="869005" cy="769441"/>
+          </a:xfrm>
+          <a:prstGeom prst="rect">
+            <a:avLst/>
+          </a:prstGeom>
+          <a:noFill/>
+        </p:spPr>
+        <p:txBody>
+          <a:bodyPr wrap="square" rtlCol="0">
+            <a:spAutoFit/>
+          </a:bodyPr>
+          <a:lstStyle/>
+          <a:p>
+            <a:r>
+              <a:rPr lang="en-US" altLang="ko-KR" sz="4400" dirty="0"/>
+              <a:t>8</a:t>
+            </a:r>
+          </a:p>
+        </p:txBody>
+      </p:sp>
+      <p:sp>
+        <p:nvSpPr>
+          <p:cNvPr id="49" name="TextBox 48">
+            <a:extLst>
+              <a:ext uri="{FF2B5EF4-FFF2-40B4-BE49-F238E27FC236}">
+                <a16:creationId xmlns:a16="http://schemas.microsoft.com/office/drawing/2014/main" id="{54A143D6-6035-4248-B21D-11190B641A62}"/>
+              </a:ext>
+            </a:extLst>
+          </p:cNvPr>
+          <p:cNvSpPr txBox="1"/>
+          <p:nvPr/>
+        </p:nvSpPr>
+        <p:spPr>
+          <a:xfrm flipH="1">
+            <a:off x="13512508" y="4161209"/>
+            <a:ext cx="869005" cy="769441"/>
+          </a:xfrm>
+          <a:prstGeom prst="rect">
+            <a:avLst/>
+          </a:prstGeom>
+          <a:noFill/>
+        </p:spPr>
+        <p:txBody>
+          <a:bodyPr wrap="square" rtlCol="0">
+            <a:spAutoFit/>
+          </a:bodyPr>
+          <a:lstStyle/>
+          <a:p>
+            <a:r>
+              <a:rPr lang="en-US" altLang="ko-KR" sz="4400" dirty="0"/>
+              <a:t>15</a:t>
+            </a:r>
+          </a:p>
+        </p:txBody>
+      </p:sp>
+      <p:sp>
+        <p:nvSpPr>
+          <p:cNvPr id="50" name="TextBox 49">
+            <a:extLst>
+              <a:ext uri="{FF2B5EF4-FFF2-40B4-BE49-F238E27FC236}">
+                <a16:creationId xmlns:a16="http://schemas.microsoft.com/office/drawing/2014/main" id="{CCC406D3-832D-46B0-8F95-9090387DF209}"/>
+              </a:ext>
+            </a:extLst>
+          </p:cNvPr>
+          <p:cNvSpPr txBox="1"/>
+          <p:nvPr/>
+        </p:nvSpPr>
+        <p:spPr>
+          <a:xfrm flipH="1">
+            <a:off x="9929098" y="7566244"/>
+            <a:ext cx="869005" cy="769441"/>
+          </a:xfrm>
+          <a:prstGeom prst="rect">
+            <a:avLst/>
+          </a:prstGeom>
+          <a:noFill/>
+        </p:spPr>
+        <p:txBody>
+          <a:bodyPr wrap="square" rtlCol="0">
+            <a:spAutoFit/>
+          </a:bodyPr>
+          <a:lstStyle/>
+          <a:p>
+            <a:r>
+              <a:rPr lang="en-US" altLang="ko-KR" sz="4400" dirty="0"/>
+              <a:t>7</a:t>
+            </a:r>
+          </a:p>
+        </p:txBody>
+      </p:sp>
+      <p:sp>
+        <p:nvSpPr>
+          <p:cNvPr id="51" name="TextBox 50">
+            <a:extLst>
+              <a:ext uri="{FF2B5EF4-FFF2-40B4-BE49-F238E27FC236}">
+                <a16:creationId xmlns:a16="http://schemas.microsoft.com/office/drawing/2014/main" id="{DEB2225C-EE55-47A2-90C8-0BD27254D26C}"/>
+              </a:ext>
+            </a:extLst>
+          </p:cNvPr>
+          <p:cNvSpPr txBox="1"/>
+          <p:nvPr/>
+        </p:nvSpPr>
+        <p:spPr>
+          <a:xfrm flipH="1">
+            <a:off x="13703880" y="7399608"/>
+            <a:ext cx="869005" cy="769441"/>
+          </a:xfrm>
+          <a:prstGeom prst="rect">
+            <a:avLst/>
+          </a:prstGeom>
+          <a:noFill/>
+        </p:spPr>
+        <p:txBody>
+          <a:bodyPr wrap="square" rtlCol="0">
+            <a:spAutoFit/>
+          </a:bodyPr>
+          <a:lstStyle/>
+          <a:p>
+            <a:r>
+              <a:rPr lang="en-US" altLang="ko-KR" sz="4400" dirty="0"/>
+              <a:t>6</a:t>
+            </a:r>
+          </a:p>
+        </p:txBody>
+      </p:sp>
+      <p:cxnSp>
+        <p:nvCxnSpPr>
+          <p:cNvPr id="52" name="직선 화살표 연결선 51">
+            <a:extLst>
+              <a:ext uri="{FF2B5EF4-FFF2-40B4-BE49-F238E27FC236}">
+                <a16:creationId xmlns:a16="http://schemas.microsoft.com/office/drawing/2014/main" id="{E740498F-A07C-4420-8DBC-B7A9A201BB71}"/>
+              </a:ext>
+            </a:extLst>
+          </p:cNvPr>
+          <p:cNvCxnSpPr/>
+          <p:nvPr/>
+        </p:nvCxnSpPr>
+        <p:spPr bwMode="auto">
+          <a:xfrm>
+            <a:off x="12019781" y="1354757"/>
+            <a:ext cx="8756" cy="1038747"/>
+          </a:xfrm>
+          <a:prstGeom prst="straightConnector1">
+            <a:avLst/>
+          </a:prstGeom>
+          <a:solidFill>
+            <a:schemeClr val="accent1"/>
+          </a:solidFill>
+          <a:ln w="73025" cap="flat" cmpd="sng" algn="ctr">
+            <a:solidFill>
+              <a:srgbClr val="FF0000"/>
+            </a:solidFill>
+            <a:prstDash val="solid"/>
+            <a:miter lim="400000"/>
+            <a:headEnd type="none" w="med" len="med"/>
+            <a:tailEnd type="triangle"/>
+          </a:ln>
+          <a:effectLst/>
+          <a:extLst>
+            <a:ext uri="{AF507438-7753-43E0-B8FC-AC1667EBCBE1}">
+              <a14:hiddenEffects xmlns:a14="http://schemas.microsoft.com/office/drawing/2010/main">
+                <a:effectLst>
+                  <a:outerShdw blurRad="63500" dist="38099" dir="2700000" algn="ctr" rotWithShape="0">
+                    <a:schemeClr val="bg2">
+                      <a:alpha val="74998"/>
+                    </a:schemeClr>
+                  </a:outerShdw>
+                </a:effectLst>
+              </a14:hiddenEffects>
+            </a:ext>
+          </a:extLst>
+        </p:spPr>
+      </p:cxnSp>
+      <p:sp>
+        <p:nvSpPr>
+          <p:cNvPr id="53" name="직사각형 52">
+            <a:extLst>
+              <a:ext uri="{FF2B5EF4-FFF2-40B4-BE49-F238E27FC236}">
+                <a16:creationId xmlns:a16="http://schemas.microsoft.com/office/drawing/2014/main" id="{3B58793C-87E2-4CCC-8F20-A9C8A3C3E6CC}"/>
+              </a:ext>
+            </a:extLst>
+          </p:cNvPr>
+          <p:cNvSpPr/>
+          <p:nvPr/>
+        </p:nvSpPr>
+        <p:spPr>
+          <a:xfrm>
+            <a:off x="11468928" y="770224"/>
+            <a:ext cx="1119217" cy="584775"/>
+          </a:xfrm>
+          <a:prstGeom prst="rect">
+            <a:avLst/>
+          </a:prstGeom>
+        </p:spPr>
+        <p:txBody>
+          <a:bodyPr wrap="none">
+            <a:spAutoFit/>
+          </a:bodyPr>
+          <a:lstStyle/>
+          <a:p>
+            <a:pPr algn="ctr"/>
+            <a:r>
+              <a:rPr lang="en-US" altLang="ko-KR" sz="3200" dirty="0"/>
+              <a:t>Start</a:t>
+            </a:r>
+            <a:endParaRPr lang="ko-KR" altLang="en-US" sz="3200" dirty="0"/>
+          </a:p>
+        </p:txBody>
+      </p:sp>
+      <p:sp>
+        <p:nvSpPr>
+          <p:cNvPr id="54" name="타원 53">
+            <a:extLst>
+              <a:ext uri="{FF2B5EF4-FFF2-40B4-BE49-F238E27FC236}">
+                <a16:creationId xmlns:a16="http://schemas.microsoft.com/office/drawing/2014/main" id="{960FAA6A-2ED7-4F4B-AB8B-3017B2361F2E}"/>
+              </a:ext>
+            </a:extLst>
+          </p:cNvPr>
+          <p:cNvSpPr>
+            <a:spLocks noChangeAspect="1"/>
+          </p:cNvSpPr>
+          <p:nvPr/>
+        </p:nvSpPr>
+        <p:spPr>
+          <a:xfrm>
+            <a:off x="19329548" y="2393504"/>
+            <a:ext cx="1944216" cy="1944216"/>
+          </a:xfrm>
+          <a:prstGeom prst="ellipse">
+            <a:avLst/>
+          </a:prstGeom>
+          <a:solidFill>
+            <a:srgbClr val="432F2E"/>
+          </a:solidFill>
+          <a:ln>
+            <a:noFill/>
+          </a:ln>
+        </p:spPr>
+        <p:style>
+          <a:lnRef idx="2">
+            <a:schemeClr val="accent1">
+              <a:shade val="50000"/>
+            </a:schemeClr>
+          </a:lnRef>
+          <a:fillRef idx="1">
+            <a:schemeClr val="accent1"/>
+          </a:fillRef>
+          <a:effectRef idx="0">
+            <a:schemeClr val="accent1"/>
+          </a:effectRef>
+          <a:fontRef idx="minor">
+            <a:schemeClr val="lt1"/>
+          </a:fontRef>
+        </p:style>
+        <p:txBody>
+          <a:bodyPr rtlCol="0" anchor="ctr"/>
+          <a:lstStyle/>
+          <a:p>
+            <a:pPr algn="ctr"/>
+            <a:r>
+              <a:rPr lang="en-US" altLang="ko-KR" sz="6000" dirty="0"/>
+              <a:t>A</a:t>
+            </a:r>
+            <a:endParaRPr lang="ko-KR" altLang="en-US" sz="6000" dirty="0"/>
+          </a:p>
+        </p:txBody>
+      </p:sp>
+      <p:sp>
+        <p:nvSpPr>
+          <p:cNvPr id="55" name="타원 54">
+            <a:extLst>
+              <a:ext uri="{FF2B5EF4-FFF2-40B4-BE49-F238E27FC236}">
+                <a16:creationId xmlns:a16="http://schemas.microsoft.com/office/drawing/2014/main" id="{7FF1155A-DD70-43AE-9DB3-B2415D98304F}"/>
+              </a:ext>
+            </a:extLst>
+          </p:cNvPr>
+          <p:cNvSpPr>
+            <a:spLocks noChangeAspect="1"/>
+          </p:cNvSpPr>
+          <p:nvPr/>
+        </p:nvSpPr>
+        <p:spPr>
+          <a:xfrm>
+            <a:off x="16620492" y="5309828"/>
+            <a:ext cx="1944216" cy="1944216"/>
+          </a:xfrm>
+          <a:prstGeom prst="ellipse">
+            <a:avLst/>
+          </a:prstGeom>
+          <a:solidFill>
+            <a:srgbClr val="432F2E"/>
+          </a:solidFill>
+          <a:ln>
+            <a:noFill/>
+          </a:ln>
+        </p:spPr>
+        <p:style>
+          <a:lnRef idx="2">
+            <a:schemeClr val="accent1">
+              <a:shade val="50000"/>
+            </a:schemeClr>
+          </a:lnRef>
+          <a:fillRef idx="1">
+            <a:schemeClr val="accent1"/>
+          </a:fillRef>
+          <a:effectRef idx="0">
+            <a:schemeClr val="accent1"/>
+          </a:effectRef>
+          <a:fontRef idx="minor">
+            <a:schemeClr val="lt1"/>
+          </a:fontRef>
+        </p:style>
+        <p:txBody>
+          <a:bodyPr rtlCol="0" anchor="ctr"/>
+          <a:lstStyle/>
+          <a:p>
+            <a:pPr algn="ctr"/>
+            <a:r>
+              <a:rPr lang="en-US" altLang="ko-KR" sz="6000" dirty="0"/>
+              <a:t>B</a:t>
+            </a:r>
+            <a:endParaRPr lang="ko-KR" altLang="en-US" sz="6000" dirty="0"/>
+          </a:p>
+        </p:txBody>
+      </p:sp>
+      <p:sp>
+        <p:nvSpPr>
+          <p:cNvPr id="56" name="타원 55">
+            <a:extLst>
+              <a:ext uri="{FF2B5EF4-FFF2-40B4-BE49-F238E27FC236}">
+                <a16:creationId xmlns:a16="http://schemas.microsoft.com/office/drawing/2014/main" id="{7B1270EF-F3F1-444E-8A85-E306E6DBB1BE}"/>
+              </a:ext>
+            </a:extLst>
+          </p:cNvPr>
+          <p:cNvSpPr>
+            <a:spLocks noChangeAspect="1"/>
+          </p:cNvSpPr>
+          <p:nvPr/>
+        </p:nvSpPr>
+        <p:spPr>
+          <a:xfrm>
+            <a:off x="22021094" y="5309828"/>
+            <a:ext cx="1944216" cy="1944216"/>
+          </a:xfrm>
+          <a:prstGeom prst="ellipse">
+            <a:avLst/>
+          </a:prstGeom>
+          <a:solidFill>
+            <a:srgbClr val="432F2E"/>
+          </a:solidFill>
+          <a:ln>
+            <a:noFill/>
+          </a:ln>
+        </p:spPr>
+        <p:style>
+          <a:lnRef idx="2">
+            <a:schemeClr val="accent1">
+              <a:shade val="50000"/>
+            </a:schemeClr>
+          </a:lnRef>
+          <a:fillRef idx="1">
+            <a:schemeClr val="accent1"/>
+          </a:fillRef>
+          <a:effectRef idx="0">
+            <a:schemeClr val="accent1"/>
+          </a:effectRef>
+          <a:fontRef idx="minor">
+            <a:schemeClr val="lt1"/>
+          </a:fontRef>
+        </p:style>
+        <p:txBody>
+          <a:bodyPr rtlCol="0" anchor="ctr"/>
+          <a:lstStyle/>
+          <a:p>
+            <a:pPr algn="ctr"/>
+            <a:r>
+              <a:rPr lang="en-US" altLang="ko-KR" sz="6000" dirty="0"/>
+              <a:t>C</a:t>
+            </a:r>
+            <a:endParaRPr lang="ko-KR" altLang="en-US" sz="6000" dirty="0"/>
+          </a:p>
+        </p:txBody>
+      </p:sp>
+      <p:sp>
+        <p:nvSpPr>
+          <p:cNvPr id="57" name="타원 56">
+            <a:extLst>
+              <a:ext uri="{FF2B5EF4-FFF2-40B4-BE49-F238E27FC236}">
+                <a16:creationId xmlns:a16="http://schemas.microsoft.com/office/drawing/2014/main" id="{3192325A-16D2-45D4-A38D-8D8DE4FBF396}"/>
+              </a:ext>
+            </a:extLst>
+          </p:cNvPr>
+          <p:cNvSpPr>
+            <a:spLocks noChangeAspect="1"/>
+          </p:cNvSpPr>
+          <p:nvPr/>
+        </p:nvSpPr>
+        <p:spPr>
+          <a:xfrm>
+            <a:off x="19320792" y="8370168"/>
+            <a:ext cx="1944216" cy="1944216"/>
+          </a:xfrm>
+          <a:prstGeom prst="ellipse">
+            <a:avLst/>
+          </a:prstGeom>
+          <a:solidFill>
+            <a:srgbClr val="432F2E"/>
+          </a:solidFill>
+          <a:ln>
+            <a:noFill/>
+          </a:ln>
+        </p:spPr>
+        <p:style>
+          <a:lnRef idx="2">
+            <a:schemeClr val="accent1">
+              <a:shade val="50000"/>
+            </a:schemeClr>
+          </a:lnRef>
+          <a:fillRef idx="1">
+            <a:schemeClr val="accent1"/>
+          </a:fillRef>
+          <a:effectRef idx="0">
+            <a:schemeClr val="accent1"/>
+          </a:effectRef>
+          <a:fontRef idx="minor">
+            <a:schemeClr val="lt1"/>
+          </a:fontRef>
+        </p:style>
+        <p:txBody>
+          <a:bodyPr rtlCol="0" anchor="ctr"/>
+          <a:lstStyle/>
+          <a:p>
+            <a:pPr algn="ctr"/>
+            <a:r>
+              <a:rPr lang="en-US" altLang="ko-KR" sz="6000" dirty="0"/>
+              <a:t>D</a:t>
+            </a:r>
+            <a:endParaRPr lang="ko-KR" altLang="en-US" sz="6000" dirty="0"/>
+          </a:p>
+        </p:txBody>
+      </p:sp>
+      <p:cxnSp>
+        <p:nvCxnSpPr>
+          <p:cNvPr id="58" name="직선 연결선 57">
+            <a:extLst>
+              <a:ext uri="{FF2B5EF4-FFF2-40B4-BE49-F238E27FC236}">
+                <a16:creationId xmlns:a16="http://schemas.microsoft.com/office/drawing/2014/main" id="{90FFA74B-A1D2-4D5A-97BF-283408A85370}"/>
+              </a:ext>
+            </a:extLst>
+          </p:cNvPr>
+          <p:cNvCxnSpPr>
+            <a:stCxn id="54" idx="3"/>
+            <a:endCxn id="55" idx="7"/>
+          </p:cNvCxnSpPr>
+          <p:nvPr/>
+        </p:nvCxnSpPr>
+        <p:spPr bwMode="auto">
+          <a:xfrm flipH="1">
+            <a:off x="18279984" y="4052996"/>
+            <a:ext cx="1334288" cy="1541556"/>
+          </a:xfrm>
+          <a:prstGeom prst="line">
+            <a:avLst/>
+          </a:prstGeom>
+          <a:solidFill>
+            <a:schemeClr val="accent1"/>
+          </a:solidFill>
+          <a:ln w="88900" cap="flat" cmpd="sng" algn="ctr">
+            <a:solidFill>
+              <a:srgbClr val="0099EE"/>
+            </a:solidFill>
+            <a:prstDash val="solid"/>
+            <a:miter lim="400000"/>
+            <a:headEnd type="none" w="med" len="med"/>
+            <a:tailEnd type="none" w="med" len="med"/>
+          </a:ln>
+          <a:effectLst/>
+          <a:extLst>
+            <a:ext uri="{AF507438-7753-43E0-B8FC-AC1667EBCBE1}">
+              <a14:hiddenEffects xmlns:a14="http://schemas.microsoft.com/office/drawing/2010/main">
+                <a:effectLst>
+                  <a:outerShdw blurRad="63500" dist="38099" dir="2700000" algn="ctr" rotWithShape="0">
+                    <a:schemeClr val="bg2">
+                      <a:alpha val="74998"/>
+                    </a:schemeClr>
+                  </a:outerShdw>
+                </a:effectLst>
+              </a14:hiddenEffects>
+            </a:ext>
+          </a:extLst>
+        </p:spPr>
+      </p:cxnSp>
+      <p:cxnSp>
+        <p:nvCxnSpPr>
+          <p:cNvPr id="59" name="직선 연결선 58">
+            <a:extLst>
+              <a:ext uri="{FF2B5EF4-FFF2-40B4-BE49-F238E27FC236}">
+                <a16:creationId xmlns:a16="http://schemas.microsoft.com/office/drawing/2014/main" id="{7B7FE9A7-8539-4C4E-AEEF-323E6565A0F5}"/>
+              </a:ext>
+            </a:extLst>
+          </p:cNvPr>
+          <p:cNvCxnSpPr>
+            <a:stCxn id="57" idx="1"/>
+          </p:cNvCxnSpPr>
+          <p:nvPr/>
+        </p:nvCxnSpPr>
+        <p:spPr bwMode="auto">
+          <a:xfrm flipH="1" flipV="1">
+            <a:off x="18211982" y="6958582"/>
+            <a:ext cx="1393534" cy="1696310"/>
+          </a:xfrm>
+          <a:prstGeom prst="line">
+            <a:avLst/>
+          </a:prstGeom>
+          <a:solidFill>
+            <a:schemeClr val="accent1"/>
+          </a:solidFill>
+          <a:ln w="88900" cap="flat" cmpd="sng" algn="ctr">
+            <a:solidFill>
+              <a:srgbClr val="432F2E"/>
+            </a:solidFill>
+            <a:prstDash val="solid"/>
+            <a:miter lim="400000"/>
+            <a:headEnd type="none" w="med" len="med"/>
+            <a:tailEnd type="none" w="med" len="med"/>
+          </a:ln>
+          <a:effectLst/>
+          <a:extLst>
+            <a:ext uri="{AF507438-7753-43E0-B8FC-AC1667EBCBE1}">
+              <a14:hiddenEffects xmlns:a14="http://schemas.microsoft.com/office/drawing/2010/main">
+                <a:effectLst>
+                  <a:outerShdw blurRad="63500" dist="38099" dir="2700000" algn="ctr" rotWithShape="0">
+                    <a:schemeClr val="bg2">
+                      <a:alpha val="74998"/>
+                    </a:schemeClr>
+                  </a:outerShdw>
+                </a:effectLst>
+              </a14:hiddenEffects>
+            </a:ext>
+          </a:extLst>
+        </p:spPr>
+      </p:cxnSp>
+      <p:cxnSp>
+        <p:nvCxnSpPr>
+          <p:cNvPr id="60" name="직선 연결선 59">
+            <a:extLst>
+              <a:ext uri="{FF2B5EF4-FFF2-40B4-BE49-F238E27FC236}">
+                <a16:creationId xmlns:a16="http://schemas.microsoft.com/office/drawing/2014/main" id="{7676822B-7EDC-4CB5-A214-80DB8B97A195}"/>
+              </a:ext>
+            </a:extLst>
+          </p:cNvPr>
+          <p:cNvCxnSpPr/>
+          <p:nvPr/>
+        </p:nvCxnSpPr>
+        <p:spPr bwMode="auto">
+          <a:xfrm flipH="1" flipV="1">
+            <a:off x="20990208" y="3975619"/>
+            <a:ext cx="1393534" cy="1696310"/>
+          </a:xfrm>
+          <a:prstGeom prst="line">
+            <a:avLst/>
+          </a:prstGeom>
+          <a:solidFill>
+            <a:schemeClr val="accent1"/>
+          </a:solidFill>
+          <a:ln w="88900" cap="flat" cmpd="sng" algn="ctr">
+            <a:solidFill>
+              <a:srgbClr val="432F2E"/>
+            </a:solidFill>
+            <a:prstDash val="solid"/>
+            <a:miter lim="400000"/>
+            <a:headEnd type="none" w="med" len="med"/>
+            <a:tailEnd type="none" w="med" len="med"/>
+          </a:ln>
+          <a:effectLst/>
+          <a:extLst>
+            <a:ext uri="{AF507438-7753-43E0-B8FC-AC1667EBCBE1}">
+              <a14:hiddenEffects xmlns:a14="http://schemas.microsoft.com/office/drawing/2010/main">
+                <a:effectLst>
+                  <a:outerShdw blurRad="63500" dist="38099" dir="2700000" algn="ctr" rotWithShape="0">
+                    <a:schemeClr val="bg2">
+                      <a:alpha val="74998"/>
+                    </a:schemeClr>
+                  </a:outerShdw>
+                </a:effectLst>
+              </a14:hiddenEffects>
+            </a:ext>
+          </a:extLst>
+        </p:spPr>
+      </p:cxnSp>
+      <p:cxnSp>
+        <p:nvCxnSpPr>
+          <p:cNvPr id="62" name="직선 연결선 61">
+            <a:extLst>
+              <a:ext uri="{FF2B5EF4-FFF2-40B4-BE49-F238E27FC236}">
+                <a16:creationId xmlns:a16="http://schemas.microsoft.com/office/drawing/2014/main" id="{5FA8BA60-BC94-4A93-BF7B-3348364473FE}"/>
+              </a:ext>
+            </a:extLst>
+          </p:cNvPr>
+          <p:cNvCxnSpPr>
+            <a:stCxn id="54" idx="4"/>
+            <a:endCxn id="57" idx="0"/>
+          </p:cNvCxnSpPr>
+          <p:nvPr/>
+        </p:nvCxnSpPr>
+        <p:spPr bwMode="auto">
+          <a:xfrm flipH="1">
+            <a:off x="20292900" y="4337720"/>
+            <a:ext cx="8756" cy="4032448"/>
+          </a:xfrm>
+          <a:prstGeom prst="line">
+            <a:avLst/>
+          </a:prstGeom>
+          <a:solidFill>
+            <a:schemeClr val="accent1"/>
+          </a:solidFill>
+          <a:ln w="88900" cap="flat" cmpd="sng" algn="ctr">
+            <a:solidFill>
+              <a:srgbClr val="0099EE"/>
+            </a:solidFill>
+            <a:prstDash val="solid"/>
+            <a:miter lim="400000"/>
+            <a:headEnd type="none" w="med" len="med"/>
+            <a:tailEnd type="none" w="med" len="med"/>
+          </a:ln>
+          <a:effectLst/>
+          <a:extLst>
+            <a:ext uri="{AF507438-7753-43E0-B8FC-AC1667EBCBE1}">
+              <a14:hiddenEffects xmlns:a14="http://schemas.microsoft.com/office/drawing/2010/main">
+                <a:effectLst>
+                  <a:outerShdw blurRad="63500" dist="38099" dir="2700000" algn="ctr" rotWithShape="0">
+                    <a:schemeClr val="bg2">
+                      <a:alpha val="74998"/>
+                    </a:schemeClr>
+                  </a:outerShdw>
+                </a:effectLst>
+              </a14:hiddenEffects>
+            </a:ext>
+          </a:extLst>
+        </p:spPr>
+      </p:cxnSp>
+      <p:cxnSp>
+        <p:nvCxnSpPr>
+          <p:cNvPr id="63" name="직선 연결선 62">
+            <a:extLst>
+              <a:ext uri="{FF2B5EF4-FFF2-40B4-BE49-F238E27FC236}">
+                <a16:creationId xmlns:a16="http://schemas.microsoft.com/office/drawing/2014/main" id="{CD416CE9-D8E5-48B4-A3E6-2F4350F94A20}"/>
+              </a:ext>
+            </a:extLst>
+          </p:cNvPr>
+          <p:cNvCxnSpPr>
+            <a:stCxn id="56" idx="2"/>
+          </p:cNvCxnSpPr>
+          <p:nvPr/>
+        </p:nvCxnSpPr>
+        <p:spPr bwMode="auto">
+          <a:xfrm flipH="1" flipV="1">
+            <a:off x="18532576" y="6258158"/>
+            <a:ext cx="3488518" cy="23778"/>
+          </a:xfrm>
+          <a:prstGeom prst="line">
+            <a:avLst/>
+          </a:prstGeom>
+          <a:solidFill>
+            <a:schemeClr val="accent1"/>
+          </a:solidFill>
+          <a:ln w="88900" cap="flat" cmpd="sng" algn="ctr">
+            <a:solidFill>
+              <a:srgbClr val="0099EE"/>
+            </a:solidFill>
+            <a:prstDash val="solid"/>
+            <a:miter lim="400000"/>
+            <a:headEnd type="none" w="med" len="med"/>
+            <a:tailEnd type="none" w="med" len="med"/>
+          </a:ln>
+          <a:effectLst/>
+          <a:extLst>
+            <a:ext uri="{AF507438-7753-43E0-B8FC-AC1667EBCBE1}">
+              <a14:hiddenEffects xmlns:a14="http://schemas.microsoft.com/office/drawing/2010/main">
+                <a:effectLst>
+                  <a:outerShdw blurRad="63500" dist="38099" dir="2700000" algn="ctr" rotWithShape="0">
+                    <a:schemeClr val="bg2">
+                      <a:alpha val="74998"/>
+                    </a:schemeClr>
+                  </a:outerShdw>
+                </a:effectLst>
+              </a14:hiddenEffects>
+            </a:ext>
+          </a:extLst>
+        </p:spPr>
+      </p:cxnSp>
+      <p:sp>
+        <p:nvSpPr>
+          <p:cNvPr id="64" name="TextBox 63">
+            <a:extLst>
+              <a:ext uri="{FF2B5EF4-FFF2-40B4-BE49-F238E27FC236}">
+                <a16:creationId xmlns:a16="http://schemas.microsoft.com/office/drawing/2014/main" id="{B702F5E8-9560-450E-9DE0-5F14C339C039}"/>
+              </a:ext>
+            </a:extLst>
+          </p:cNvPr>
+          <p:cNvSpPr txBox="1"/>
+          <p:nvPr/>
+        </p:nvSpPr>
+        <p:spPr>
+          <a:xfrm flipH="1">
+            <a:off x="18498758" y="4337721"/>
+            <a:ext cx="320594" cy="769441"/>
+          </a:xfrm>
+          <a:prstGeom prst="rect">
+            <a:avLst/>
+          </a:prstGeom>
+          <a:noFill/>
+        </p:spPr>
+        <p:txBody>
+          <a:bodyPr wrap="square" rtlCol="0">
+            <a:spAutoFit/>
+          </a:bodyPr>
+          <a:lstStyle/>
+          <a:p>
+            <a:r>
+              <a:rPr lang="en-US" altLang="ko-KR" sz="4400" dirty="0"/>
+              <a:t>5</a:t>
+            </a:r>
+            <a:endParaRPr lang="ko-KR" altLang="en-US" sz="4400" dirty="0"/>
+          </a:p>
+        </p:txBody>
+      </p:sp>
+      <p:sp>
+        <p:nvSpPr>
+          <p:cNvPr id="65" name="TextBox 64">
+            <a:extLst>
+              <a:ext uri="{FF2B5EF4-FFF2-40B4-BE49-F238E27FC236}">
+                <a16:creationId xmlns:a16="http://schemas.microsoft.com/office/drawing/2014/main" id="{C479257D-2A7C-4B1C-83AD-97163BCA037D}"/>
+              </a:ext>
+            </a:extLst>
+          </p:cNvPr>
+          <p:cNvSpPr txBox="1"/>
+          <p:nvPr/>
+        </p:nvSpPr>
+        <p:spPr>
+          <a:xfrm flipH="1">
+            <a:off x="20273896" y="4772194"/>
+            <a:ext cx="869005" cy="769441"/>
+          </a:xfrm>
+          <a:prstGeom prst="rect">
+            <a:avLst/>
+          </a:prstGeom>
+          <a:noFill/>
+        </p:spPr>
+        <p:txBody>
+          <a:bodyPr wrap="square" rtlCol="0">
+            <a:spAutoFit/>
+          </a:bodyPr>
+          <a:lstStyle/>
+          <a:p>
+            <a:r>
+              <a:rPr lang="en-US" altLang="ko-KR" sz="4400" dirty="0"/>
+              <a:t>10</a:t>
+            </a:r>
+          </a:p>
+        </p:txBody>
+      </p:sp>
+      <p:sp>
+        <p:nvSpPr>
+          <p:cNvPr id="66" name="TextBox 65">
+            <a:extLst>
+              <a:ext uri="{FF2B5EF4-FFF2-40B4-BE49-F238E27FC236}">
+                <a16:creationId xmlns:a16="http://schemas.microsoft.com/office/drawing/2014/main" id="{32EFF418-EB6A-459B-AFBA-9F088DF0AA4E}"/>
+              </a:ext>
+            </a:extLst>
+          </p:cNvPr>
+          <p:cNvSpPr txBox="1"/>
+          <p:nvPr/>
+        </p:nvSpPr>
+        <p:spPr>
+          <a:xfrm flipH="1">
+            <a:off x="21576973" y="6281936"/>
+            <a:ext cx="869005" cy="769441"/>
+          </a:xfrm>
+          <a:prstGeom prst="rect">
+            <a:avLst/>
+          </a:prstGeom>
+          <a:noFill/>
+        </p:spPr>
+        <p:txBody>
+          <a:bodyPr wrap="square" rtlCol="0">
+            <a:spAutoFit/>
+          </a:bodyPr>
+          <a:lstStyle/>
+          <a:p>
+            <a:r>
+              <a:rPr lang="en-US" altLang="ko-KR" sz="4400" dirty="0"/>
+              <a:t>8</a:t>
+            </a:r>
+          </a:p>
+        </p:txBody>
+      </p:sp>
+      <p:sp>
+        <p:nvSpPr>
+          <p:cNvPr id="67" name="TextBox 66">
+            <a:extLst>
+              <a:ext uri="{FF2B5EF4-FFF2-40B4-BE49-F238E27FC236}">
+                <a16:creationId xmlns:a16="http://schemas.microsoft.com/office/drawing/2014/main" id="{1789C170-BBAB-4972-92F6-B8F22C0A8113}"/>
+              </a:ext>
+            </a:extLst>
+          </p:cNvPr>
+          <p:cNvSpPr txBox="1"/>
+          <p:nvPr/>
+        </p:nvSpPr>
+        <p:spPr>
+          <a:xfrm flipH="1">
+            <a:off x="21757867" y="4240931"/>
+            <a:ext cx="869005" cy="769441"/>
+          </a:xfrm>
+          <a:prstGeom prst="rect">
+            <a:avLst/>
+          </a:prstGeom>
+          <a:noFill/>
+        </p:spPr>
+        <p:txBody>
+          <a:bodyPr wrap="square" rtlCol="0">
+            <a:spAutoFit/>
+          </a:bodyPr>
+          <a:lstStyle/>
+          <a:p>
+            <a:r>
+              <a:rPr lang="en-US" altLang="ko-KR" sz="4400" dirty="0"/>
+              <a:t>15</a:t>
+            </a:r>
+          </a:p>
+        </p:txBody>
+      </p:sp>
+      <p:sp>
+        <p:nvSpPr>
+          <p:cNvPr id="68" name="TextBox 67">
+            <a:extLst>
+              <a:ext uri="{FF2B5EF4-FFF2-40B4-BE49-F238E27FC236}">
+                <a16:creationId xmlns:a16="http://schemas.microsoft.com/office/drawing/2014/main" id="{63D3BE0A-BD36-42EC-86AB-B7131D83B23C}"/>
+              </a:ext>
+            </a:extLst>
+          </p:cNvPr>
+          <p:cNvSpPr txBox="1"/>
+          <p:nvPr/>
+        </p:nvSpPr>
+        <p:spPr>
+          <a:xfrm flipH="1">
+            <a:off x="18174457" y="7645966"/>
+            <a:ext cx="869005" cy="769441"/>
+          </a:xfrm>
+          <a:prstGeom prst="rect">
+            <a:avLst/>
+          </a:prstGeom>
+          <a:noFill/>
+        </p:spPr>
+        <p:txBody>
+          <a:bodyPr wrap="square" rtlCol="0">
+            <a:spAutoFit/>
+          </a:bodyPr>
+          <a:lstStyle/>
+          <a:p>
+            <a:r>
+              <a:rPr lang="en-US" altLang="ko-KR" sz="4400" dirty="0"/>
+              <a:t>7</a:t>
+            </a:r>
+          </a:p>
+        </p:txBody>
+      </p:sp>
+      <p:sp>
+        <p:nvSpPr>
+          <p:cNvPr id="69" name="TextBox 68">
+            <a:extLst>
+              <a:ext uri="{FF2B5EF4-FFF2-40B4-BE49-F238E27FC236}">
+                <a16:creationId xmlns:a16="http://schemas.microsoft.com/office/drawing/2014/main" id="{5786DFB0-9996-4DA6-A049-0378D8EE71F5}"/>
+              </a:ext>
+            </a:extLst>
+          </p:cNvPr>
+          <p:cNvSpPr txBox="1"/>
+          <p:nvPr/>
+        </p:nvSpPr>
+        <p:spPr>
+          <a:xfrm flipH="1">
+            <a:off x="21949239" y="7479330"/>
+            <a:ext cx="869005" cy="769441"/>
+          </a:xfrm>
+          <a:prstGeom prst="rect">
+            <a:avLst/>
+          </a:prstGeom>
+          <a:noFill/>
+        </p:spPr>
+        <p:txBody>
+          <a:bodyPr wrap="square" rtlCol="0">
+            <a:spAutoFit/>
+          </a:bodyPr>
+          <a:lstStyle/>
+          <a:p>
+            <a:r>
+              <a:rPr lang="en-US" altLang="ko-KR" sz="4400" dirty="0"/>
+              <a:t>6</a:t>
+            </a:r>
+          </a:p>
+        </p:txBody>
+      </p:sp>
+      <p:cxnSp>
+        <p:nvCxnSpPr>
+          <p:cNvPr id="70" name="직선 화살표 연결선 69">
+            <a:extLst>
+              <a:ext uri="{FF2B5EF4-FFF2-40B4-BE49-F238E27FC236}">
+                <a16:creationId xmlns:a16="http://schemas.microsoft.com/office/drawing/2014/main" id="{929B344D-AB6A-4B6D-B92E-9BFDBBEBF04B}"/>
+              </a:ext>
+            </a:extLst>
+          </p:cNvPr>
+          <p:cNvCxnSpPr/>
+          <p:nvPr/>
+        </p:nvCxnSpPr>
+        <p:spPr bwMode="auto">
+          <a:xfrm>
+            <a:off x="20265140" y="1434479"/>
+            <a:ext cx="8756" cy="1038747"/>
+          </a:xfrm>
+          <a:prstGeom prst="straightConnector1">
+            <a:avLst/>
+          </a:prstGeom>
+          <a:solidFill>
+            <a:schemeClr val="accent1"/>
+          </a:solidFill>
+          <a:ln w="73025" cap="flat" cmpd="sng" algn="ctr">
+            <a:solidFill>
+              <a:srgbClr val="FF0000"/>
+            </a:solidFill>
+            <a:prstDash val="solid"/>
+            <a:miter lim="400000"/>
+            <a:headEnd type="none" w="med" len="med"/>
+            <a:tailEnd type="triangle"/>
+          </a:ln>
+          <a:effectLst/>
+          <a:extLst>
+            <a:ext uri="{AF507438-7753-43E0-B8FC-AC1667EBCBE1}">
+              <a14:hiddenEffects xmlns:a14="http://schemas.microsoft.com/office/drawing/2010/main">
+                <a:effectLst>
+                  <a:outerShdw blurRad="63500" dist="38099" dir="2700000" algn="ctr" rotWithShape="0">
+                    <a:schemeClr val="bg2">
+                      <a:alpha val="74998"/>
+                    </a:schemeClr>
+                  </a:outerShdw>
+                </a:effectLst>
+              </a14:hiddenEffects>
+            </a:ext>
+          </a:extLst>
+        </p:spPr>
+      </p:cxnSp>
+      <p:sp>
+        <p:nvSpPr>
+          <p:cNvPr id="71" name="직사각형 70">
+            <a:extLst>
+              <a:ext uri="{FF2B5EF4-FFF2-40B4-BE49-F238E27FC236}">
+                <a16:creationId xmlns:a16="http://schemas.microsoft.com/office/drawing/2014/main" id="{2A7DA61A-C5A8-4273-854B-CAC3249AFD48}"/>
+              </a:ext>
+            </a:extLst>
+          </p:cNvPr>
+          <p:cNvSpPr/>
+          <p:nvPr/>
+        </p:nvSpPr>
+        <p:spPr>
+          <a:xfrm>
+            <a:off x="19714287" y="849946"/>
+            <a:ext cx="1119217" cy="584775"/>
+          </a:xfrm>
+          <a:prstGeom prst="rect">
+            <a:avLst/>
+          </a:prstGeom>
+        </p:spPr>
+        <p:txBody>
+          <a:bodyPr wrap="none">
+            <a:spAutoFit/>
+          </a:bodyPr>
+          <a:lstStyle/>
+          <a:p>
+            <a:pPr algn="ctr"/>
+            <a:r>
+              <a:rPr lang="en-US" altLang="ko-KR" sz="3200" dirty="0"/>
+              <a:t>Start</a:t>
+            </a:r>
+            <a:endParaRPr lang="ko-KR" altLang="en-US" sz="3200" dirty="0"/>
+          </a:p>
+        </p:txBody>
+      </p:sp>
     </p:spTree>
     <p:extLst>
       <p:ext uri="{BB962C8B-B14F-4D97-AF65-F5344CB8AC3E}">
